--- a/Presentations/Final Presentation.pptx
+++ b/Presentations/Final Presentation.pptx
@@ -4,16 +4,21 @@
   <p:sldMasterIdLst>
     <p:sldMasterId id="2147483714" r:id="rId1"/>
   </p:sldMasterIdLst>
+  <p:notesMasterIdLst>
+    <p:notesMasterId r:id="rId13"/>
+  </p:notesMasterIdLst>
   <p:sldIdLst>
     <p:sldId id="256" r:id="rId2"/>
     <p:sldId id="257" r:id="rId3"/>
     <p:sldId id="259" r:id="rId4"/>
     <p:sldId id="258" r:id="rId5"/>
     <p:sldId id="264" r:id="rId6"/>
-    <p:sldId id="261" r:id="rId7"/>
-    <p:sldId id="260" r:id="rId8"/>
-    <p:sldId id="263" r:id="rId9"/>
-    <p:sldId id="262" r:id="rId10"/>
+    <p:sldId id="266" r:id="rId7"/>
+    <p:sldId id="267" r:id="rId8"/>
+    <p:sldId id="261" r:id="rId9"/>
+    <p:sldId id="260" r:id="rId10"/>
+    <p:sldId id="263" r:id="rId11"/>
+    <p:sldId id="262" r:id="rId12"/>
   </p:sldIdLst>
   <p:sldSz cx="12192000" cy="6858000"/>
   <p:notesSz cx="6858000" cy="9144000"/>
@@ -120,6 +125,439 @@
 </p:presentation>
 </file>
 
+<file path=ppt/notesMasters/notesMaster1.xml><?xml version="1.0" encoding="utf-8"?>
+<p:notesMaster xmlns:a="http://schemas.openxmlformats.org/drawingml/2006/main" xmlns:r="http://schemas.openxmlformats.org/officeDocument/2006/relationships" xmlns:p="http://schemas.openxmlformats.org/presentationml/2006/main">
+  <p:cSld>
+    <p:bg>
+      <p:bgRef idx="1001">
+        <a:schemeClr val="bg1"/>
+      </p:bgRef>
+    </p:bg>
+    <p:spTree>
+      <p:nvGrpSpPr>
+        <p:cNvPr id="1" name=""/>
+        <p:cNvGrpSpPr/>
+        <p:nvPr/>
+      </p:nvGrpSpPr>
+      <p:grpSpPr>
+        <a:xfrm>
+          <a:off x="0" y="0"/>
+          <a:ext cx="0" cy="0"/>
+          <a:chOff x="0" y="0"/>
+          <a:chExt cx="0" cy="0"/>
+        </a:xfrm>
+      </p:grpSpPr>
+      <p:sp>
+        <p:nvSpPr>
+          <p:cNvPr id="2" name="Header Placeholder 1"/>
+          <p:cNvSpPr>
+            <a:spLocks noGrp="1"/>
+          </p:cNvSpPr>
+          <p:nvPr>
+            <p:ph type="hdr" sz="quarter"/>
+          </p:nvPr>
+        </p:nvSpPr>
+        <p:spPr>
+          <a:xfrm>
+            <a:off x="0" y="0"/>
+            <a:ext cx="2971800" cy="458788"/>
+          </a:xfrm>
+          <a:prstGeom prst="rect">
+            <a:avLst/>
+          </a:prstGeom>
+        </p:spPr>
+        <p:txBody>
+          <a:bodyPr vert="horz" lIns="91440" tIns="45720" rIns="91440" bIns="45720" rtlCol="0"/>
+          <a:lstStyle>
+            <a:lvl1pPr algn="l">
+              <a:defRPr sz="1200"/>
+            </a:lvl1pPr>
+          </a:lstStyle>
+          <a:p>
+            <a:endParaRPr lang="en-US"/>
+          </a:p>
+        </p:txBody>
+      </p:sp>
+      <p:sp>
+        <p:nvSpPr>
+          <p:cNvPr id="3" name="Date Placeholder 2"/>
+          <p:cNvSpPr>
+            <a:spLocks noGrp="1"/>
+          </p:cNvSpPr>
+          <p:nvPr>
+            <p:ph type="dt" idx="1"/>
+          </p:nvPr>
+        </p:nvSpPr>
+        <p:spPr>
+          <a:xfrm>
+            <a:off x="3884613" y="0"/>
+            <a:ext cx="2971800" cy="458788"/>
+          </a:xfrm>
+          <a:prstGeom prst="rect">
+            <a:avLst/>
+          </a:prstGeom>
+        </p:spPr>
+        <p:txBody>
+          <a:bodyPr vert="horz" lIns="91440" tIns="45720" rIns="91440" bIns="45720" rtlCol="0"/>
+          <a:lstStyle>
+            <a:lvl1pPr algn="r">
+              <a:defRPr sz="1200"/>
+            </a:lvl1pPr>
+          </a:lstStyle>
+          <a:p>
+            <a:fld id="{077BD2D5-BD15-8640-B543-D97B83176CE5}" type="datetimeFigureOut">
+              <a:rPr lang="en-US" smtClean="0"/>
+              <a:t>11/20/20</a:t>
+            </a:fld>
+            <a:endParaRPr lang="en-US"/>
+          </a:p>
+        </p:txBody>
+      </p:sp>
+      <p:sp>
+        <p:nvSpPr>
+          <p:cNvPr id="4" name="Slide Image Placeholder 3"/>
+          <p:cNvSpPr>
+            <a:spLocks noGrp="1" noRot="1" noChangeAspect="1"/>
+          </p:cNvSpPr>
+          <p:nvPr>
+            <p:ph type="sldImg" idx="2"/>
+          </p:nvPr>
+        </p:nvSpPr>
+        <p:spPr>
+          <a:xfrm>
+            <a:off x="685800" y="1143000"/>
+            <a:ext cx="5486400" cy="3086100"/>
+          </a:xfrm>
+          <a:prstGeom prst="rect">
+            <a:avLst/>
+          </a:prstGeom>
+          <a:noFill/>
+          <a:ln w="12700">
+            <a:solidFill>
+              <a:prstClr val="black"/>
+            </a:solidFill>
+          </a:ln>
+        </p:spPr>
+        <p:txBody>
+          <a:bodyPr vert="horz" lIns="91440" tIns="45720" rIns="91440" bIns="45720" rtlCol="0" anchor="ctr"/>
+          <a:lstStyle/>
+          <a:p>
+            <a:endParaRPr lang="en-US"/>
+          </a:p>
+        </p:txBody>
+      </p:sp>
+      <p:sp>
+        <p:nvSpPr>
+          <p:cNvPr id="5" name="Notes Placeholder 4"/>
+          <p:cNvSpPr>
+            <a:spLocks noGrp="1"/>
+          </p:cNvSpPr>
+          <p:nvPr>
+            <p:ph type="body" sz="quarter" idx="3"/>
+          </p:nvPr>
+        </p:nvSpPr>
+        <p:spPr>
+          <a:xfrm>
+            <a:off x="685800" y="4400550"/>
+            <a:ext cx="5486400" cy="3600450"/>
+          </a:xfrm>
+          <a:prstGeom prst="rect">
+            <a:avLst/>
+          </a:prstGeom>
+        </p:spPr>
+        <p:txBody>
+          <a:bodyPr vert="horz" lIns="91440" tIns="45720" rIns="91440" bIns="45720" rtlCol="0"/>
+          <a:lstStyle/>
+          <a:p>
+            <a:pPr lvl="0"/>
+            <a:r>
+              <a:rPr lang="en-US"/>
+              <a:t>Click to edit Master text styles</a:t>
+            </a:r>
+          </a:p>
+          <a:p>
+            <a:pPr lvl="1"/>
+            <a:r>
+              <a:rPr lang="en-US"/>
+              <a:t>Second level</a:t>
+            </a:r>
+          </a:p>
+          <a:p>
+            <a:pPr lvl="2"/>
+            <a:r>
+              <a:rPr lang="en-US"/>
+              <a:t>Third level</a:t>
+            </a:r>
+          </a:p>
+          <a:p>
+            <a:pPr lvl="3"/>
+            <a:r>
+              <a:rPr lang="en-US"/>
+              <a:t>Fourth level</a:t>
+            </a:r>
+          </a:p>
+          <a:p>
+            <a:pPr lvl="4"/>
+            <a:r>
+              <a:rPr lang="en-US"/>
+              <a:t>Fifth level</a:t>
+            </a:r>
+          </a:p>
+        </p:txBody>
+      </p:sp>
+      <p:sp>
+        <p:nvSpPr>
+          <p:cNvPr id="6" name="Footer Placeholder 5"/>
+          <p:cNvSpPr>
+            <a:spLocks noGrp="1"/>
+          </p:cNvSpPr>
+          <p:nvPr>
+            <p:ph type="ftr" sz="quarter" idx="4"/>
+          </p:nvPr>
+        </p:nvSpPr>
+        <p:spPr>
+          <a:xfrm>
+            <a:off x="0" y="8685213"/>
+            <a:ext cx="2971800" cy="458787"/>
+          </a:xfrm>
+          <a:prstGeom prst="rect">
+            <a:avLst/>
+          </a:prstGeom>
+        </p:spPr>
+        <p:txBody>
+          <a:bodyPr vert="horz" lIns="91440" tIns="45720" rIns="91440" bIns="45720" rtlCol="0" anchor="b"/>
+          <a:lstStyle>
+            <a:lvl1pPr algn="l">
+              <a:defRPr sz="1200"/>
+            </a:lvl1pPr>
+          </a:lstStyle>
+          <a:p>
+            <a:endParaRPr lang="en-US"/>
+          </a:p>
+        </p:txBody>
+      </p:sp>
+      <p:sp>
+        <p:nvSpPr>
+          <p:cNvPr id="7" name="Slide Number Placeholder 6"/>
+          <p:cNvSpPr>
+            <a:spLocks noGrp="1"/>
+          </p:cNvSpPr>
+          <p:nvPr>
+            <p:ph type="sldNum" sz="quarter" idx="5"/>
+          </p:nvPr>
+        </p:nvSpPr>
+        <p:spPr>
+          <a:xfrm>
+            <a:off x="3884613" y="8685213"/>
+            <a:ext cx="2971800" cy="458787"/>
+          </a:xfrm>
+          <a:prstGeom prst="rect">
+            <a:avLst/>
+          </a:prstGeom>
+        </p:spPr>
+        <p:txBody>
+          <a:bodyPr vert="horz" lIns="91440" tIns="45720" rIns="91440" bIns="45720" rtlCol="0" anchor="b"/>
+          <a:lstStyle>
+            <a:lvl1pPr algn="r">
+              <a:defRPr sz="1200"/>
+            </a:lvl1pPr>
+          </a:lstStyle>
+          <a:p>
+            <a:fld id="{FF7E100A-3843-B844-8486-2F41864979D0}" type="slidenum">
+              <a:rPr lang="en-US" smtClean="0"/>
+              <a:t>‹#›</a:t>
+            </a:fld>
+            <a:endParaRPr lang="en-US"/>
+          </a:p>
+        </p:txBody>
+      </p:sp>
+    </p:spTree>
+    <p:extLst>
+      <p:ext uri="{BB962C8B-B14F-4D97-AF65-F5344CB8AC3E}">
+        <p14:creationId xmlns:p14="http://schemas.microsoft.com/office/powerpoint/2010/main" val="1199650307"/>
+      </p:ext>
+    </p:extLst>
+  </p:cSld>
+  <p:clrMap bg1="lt1" tx1="dk1" bg2="lt2" tx2="dk2" accent1="accent1" accent2="accent2" accent3="accent3" accent4="accent4" accent5="accent5" accent6="accent6" hlink="hlink" folHlink="folHlink"/>
+  <p:notesStyle>
+    <a:lvl1pPr marL="0" algn="l" defTabSz="914400" rtl="0" eaLnBrk="1" latinLnBrk="0" hangingPunct="1">
+      <a:defRPr sz="1200" kern="1200">
+        <a:solidFill>
+          <a:schemeClr val="tx1"/>
+        </a:solidFill>
+        <a:latin typeface="+mn-lt"/>
+        <a:ea typeface="+mn-ea"/>
+        <a:cs typeface="+mn-cs"/>
+      </a:defRPr>
+    </a:lvl1pPr>
+    <a:lvl2pPr marL="457200" algn="l" defTabSz="914400" rtl="0" eaLnBrk="1" latinLnBrk="0" hangingPunct="1">
+      <a:defRPr sz="1200" kern="1200">
+        <a:solidFill>
+          <a:schemeClr val="tx1"/>
+        </a:solidFill>
+        <a:latin typeface="+mn-lt"/>
+        <a:ea typeface="+mn-ea"/>
+        <a:cs typeface="+mn-cs"/>
+      </a:defRPr>
+    </a:lvl2pPr>
+    <a:lvl3pPr marL="914400" algn="l" defTabSz="914400" rtl="0" eaLnBrk="1" latinLnBrk="0" hangingPunct="1">
+      <a:defRPr sz="1200" kern="1200">
+        <a:solidFill>
+          <a:schemeClr val="tx1"/>
+        </a:solidFill>
+        <a:latin typeface="+mn-lt"/>
+        <a:ea typeface="+mn-ea"/>
+        <a:cs typeface="+mn-cs"/>
+      </a:defRPr>
+    </a:lvl3pPr>
+    <a:lvl4pPr marL="1371600" algn="l" defTabSz="914400" rtl="0" eaLnBrk="1" latinLnBrk="0" hangingPunct="1">
+      <a:defRPr sz="1200" kern="1200">
+        <a:solidFill>
+          <a:schemeClr val="tx1"/>
+        </a:solidFill>
+        <a:latin typeface="+mn-lt"/>
+        <a:ea typeface="+mn-ea"/>
+        <a:cs typeface="+mn-cs"/>
+      </a:defRPr>
+    </a:lvl4pPr>
+    <a:lvl5pPr marL="1828800" algn="l" defTabSz="914400" rtl="0" eaLnBrk="1" latinLnBrk="0" hangingPunct="1">
+      <a:defRPr sz="1200" kern="1200">
+        <a:solidFill>
+          <a:schemeClr val="tx1"/>
+        </a:solidFill>
+        <a:latin typeface="+mn-lt"/>
+        <a:ea typeface="+mn-ea"/>
+        <a:cs typeface="+mn-cs"/>
+      </a:defRPr>
+    </a:lvl5pPr>
+    <a:lvl6pPr marL="2286000" algn="l" defTabSz="914400" rtl="0" eaLnBrk="1" latinLnBrk="0" hangingPunct="1">
+      <a:defRPr sz="1200" kern="1200">
+        <a:solidFill>
+          <a:schemeClr val="tx1"/>
+        </a:solidFill>
+        <a:latin typeface="+mn-lt"/>
+        <a:ea typeface="+mn-ea"/>
+        <a:cs typeface="+mn-cs"/>
+      </a:defRPr>
+    </a:lvl6pPr>
+    <a:lvl7pPr marL="2743200" algn="l" defTabSz="914400" rtl="0" eaLnBrk="1" latinLnBrk="0" hangingPunct="1">
+      <a:defRPr sz="1200" kern="1200">
+        <a:solidFill>
+          <a:schemeClr val="tx1"/>
+        </a:solidFill>
+        <a:latin typeface="+mn-lt"/>
+        <a:ea typeface="+mn-ea"/>
+        <a:cs typeface="+mn-cs"/>
+      </a:defRPr>
+    </a:lvl7pPr>
+    <a:lvl8pPr marL="3200400" algn="l" defTabSz="914400" rtl="0" eaLnBrk="1" latinLnBrk="0" hangingPunct="1">
+      <a:defRPr sz="1200" kern="1200">
+        <a:solidFill>
+          <a:schemeClr val="tx1"/>
+        </a:solidFill>
+        <a:latin typeface="+mn-lt"/>
+        <a:ea typeface="+mn-ea"/>
+        <a:cs typeface="+mn-cs"/>
+      </a:defRPr>
+    </a:lvl8pPr>
+    <a:lvl9pPr marL="3657600" algn="l" defTabSz="914400" rtl="0" eaLnBrk="1" latinLnBrk="0" hangingPunct="1">
+      <a:defRPr sz="1200" kern="1200">
+        <a:solidFill>
+          <a:schemeClr val="tx1"/>
+        </a:solidFill>
+        <a:latin typeface="+mn-lt"/>
+        <a:ea typeface="+mn-ea"/>
+        <a:cs typeface="+mn-cs"/>
+      </a:defRPr>
+    </a:lvl9pPr>
+  </p:notesStyle>
+</p:notesMaster>
+</file>
+
+<file path=ppt/notesSlides/notesSlide1.xml><?xml version="1.0" encoding="utf-8"?>
+<p:notes xmlns:a="http://schemas.openxmlformats.org/drawingml/2006/main" xmlns:r="http://schemas.openxmlformats.org/officeDocument/2006/relationships" xmlns:p="http://schemas.openxmlformats.org/presentationml/2006/main">
+  <p:cSld>
+    <p:spTree>
+      <p:nvGrpSpPr>
+        <p:cNvPr id="1" name=""/>
+        <p:cNvGrpSpPr/>
+        <p:nvPr/>
+      </p:nvGrpSpPr>
+      <p:grpSpPr>
+        <a:xfrm>
+          <a:off x="0" y="0"/>
+          <a:ext cx="0" cy="0"/>
+          <a:chOff x="0" y="0"/>
+          <a:chExt cx="0" cy="0"/>
+        </a:xfrm>
+      </p:grpSpPr>
+      <p:sp>
+        <p:nvSpPr>
+          <p:cNvPr id="2" name="Slide Image Placeholder 1"/>
+          <p:cNvSpPr>
+            <a:spLocks noGrp="1" noRot="1" noChangeAspect="1"/>
+          </p:cNvSpPr>
+          <p:nvPr>
+            <p:ph type="sldImg"/>
+          </p:nvPr>
+        </p:nvSpPr>
+        <p:spPr/>
+      </p:sp>
+      <p:sp>
+        <p:nvSpPr>
+          <p:cNvPr id="3" name="Notes Placeholder 2"/>
+          <p:cNvSpPr>
+            <a:spLocks noGrp="1"/>
+          </p:cNvSpPr>
+          <p:nvPr>
+            <p:ph type="body" idx="1"/>
+          </p:nvPr>
+        </p:nvSpPr>
+        <p:spPr/>
+        <p:txBody>
+          <a:bodyPr/>
+          <a:lstStyle/>
+          <a:p>
+            <a:endParaRPr lang="en-US" dirty="0"/>
+          </a:p>
+        </p:txBody>
+      </p:sp>
+      <p:sp>
+        <p:nvSpPr>
+          <p:cNvPr id="4" name="Slide Number Placeholder 3"/>
+          <p:cNvSpPr>
+            <a:spLocks noGrp="1"/>
+          </p:cNvSpPr>
+          <p:nvPr>
+            <p:ph type="sldNum" sz="quarter" idx="5"/>
+          </p:nvPr>
+        </p:nvSpPr>
+        <p:spPr/>
+        <p:txBody>
+          <a:bodyPr/>
+          <a:lstStyle/>
+          <a:p>
+            <a:fld id="{FF7E100A-3843-B844-8486-2F41864979D0}" type="slidenum">
+              <a:rPr lang="en-US" smtClean="0"/>
+              <a:t>5</a:t>
+            </a:fld>
+            <a:endParaRPr lang="en-US"/>
+          </a:p>
+        </p:txBody>
+      </p:sp>
+    </p:spTree>
+    <p:extLst>
+      <p:ext uri="{BB962C8B-B14F-4D97-AF65-F5344CB8AC3E}">
+        <p14:creationId xmlns:p14="http://schemas.microsoft.com/office/powerpoint/2010/main" val="3076383218"/>
+      </p:ext>
+    </p:extLst>
+  </p:cSld>
+  <p:clrMapOvr>
+    <a:masterClrMapping/>
+  </p:clrMapOvr>
+</p:notes>
+</file>
+
 <file path=ppt/slideLayouts/slideLayout1.xml><?xml version="1.0" encoding="utf-8"?>
 <p:sldLayout xmlns:a="http://schemas.openxmlformats.org/drawingml/2006/main" xmlns:r="http://schemas.openxmlformats.org/officeDocument/2006/relationships" xmlns:p="http://schemas.openxmlformats.org/presentationml/2006/main" showMasterSp="0" type="title" preserve="1">
   <p:cSld name="Title Slide">
@@ -177,7 +615,7 @@
           <a:noFill/>
           <a:extLst>
             <a:ext uri="{909E8E84-426E-40dd-AFC4-6F175D3DCCD1}">
-              <a14:hiddenFill xmlns="" xmlns:a14="http://schemas.microsoft.com/office/drawing/2010/main">
+              <a14:hiddenFill xmlns:a14="http://schemas.microsoft.com/office/drawing/2010/main" xmlns="">
                 <a:solidFill>
                   <a:srgbClr val="FFFFFF"/>
                 </a:solidFill>
@@ -236,7 +674,7 @@
             </a:ln>
             <a:extLst>
               <a:ext uri="{91240B29-F687-4f45-9708-019B960494DF}">
-                <a14:hiddenLine xmlns="" xmlns:a14="http://schemas.microsoft.com/office/drawing/2010/main" w="9525">
+                <a14:hiddenLine xmlns:a14="http://schemas.microsoft.com/office/drawing/2010/main" xmlns="" w="9525">
                   <a:solidFill>
                     <a:srgbClr val="000000"/>
                   </a:solidFill>
@@ -326,7 +764,7 @@
             </a:ln>
             <a:extLst>
               <a:ext uri="{91240B29-F687-4f45-9708-019B960494DF}">
-                <a14:hiddenLine xmlns="" xmlns:a14="http://schemas.microsoft.com/office/drawing/2010/main" w="9525">
+                <a14:hiddenLine xmlns:a14="http://schemas.microsoft.com/office/drawing/2010/main" xmlns="" w="9525">
                   <a:solidFill>
                     <a:srgbClr val="000000"/>
                   </a:solidFill>
@@ -416,7 +854,7 @@
             </a:ln>
             <a:extLst>
               <a:ext uri="{91240B29-F687-4f45-9708-019B960494DF}">
-                <a14:hiddenLine xmlns="" xmlns:a14="http://schemas.microsoft.com/office/drawing/2010/main" w="9525">
+                <a14:hiddenLine xmlns:a14="http://schemas.microsoft.com/office/drawing/2010/main" xmlns="" w="9525">
                   <a:solidFill>
                     <a:srgbClr val="000000"/>
                   </a:solidFill>
@@ -450,7 +888,7 @@
             </a:ln>
             <a:extLst>
               <a:ext uri="{91240B29-F687-4f45-9708-019B960494DF}">
-                <a14:hiddenLine xmlns="" xmlns:a14="http://schemas.microsoft.com/office/drawing/2010/main" w="9525">
+                <a14:hiddenLine xmlns:a14="http://schemas.microsoft.com/office/drawing/2010/main" xmlns="" w="9525">
                   <a:solidFill>
                     <a:srgbClr val="000000"/>
                   </a:solidFill>
@@ -540,7 +978,7 @@
             </a:ln>
             <a:extLst>
               <a:ext uri="{91240B29-F687-4f45-9708-019B960494DF}">
-                <a14:hiddenLine xmlns="" xmlns:a14="http://schemas.microsoft.com/office/drawing/2010/main" w="9525">
+                <a14:hiddenLine xmlns:a14="http://schemas.microsoft.com/office/drawing/2010/main" xmlns="" w="9525">
                   <a:solidFill>
                     <a:srgbClr val="000000"/>
                   </a:solidFill>
@@ -602,7 +1040,7 @@
             </a:ln>
             <a:extLst>
               <a:ext uri="{91240B29-F687-4f45-9708-019B960494DF}">
-                <a14:hiddenLine xmlns="" xmlns:a14="http://schemas.microsoft.com/office/drawing/2010/main" w="9525">
+                <a14:hiddenLine xmlns:a14="http://schemas.microsoft.com/office/drawing/2010/main" xmlns="" w="9525">
                   <a:solidFill>
                     <a:srgbClr val="000000"/>
                   </a:solidFill>
@@ -664,7 +1102,7 @@
             </a:ln>
             <a:extLst>
               <a:ext uri="{91240B29-F687-4f45-9708-019B960494DF}">
-                <a14:hiddenLine xmlns="" xmlns:a14="http://schemas.microsoft.com/office/drawing/2010/main" w="9525">
+                <a14:hiddenLine xmlns:a14="http://schemas.microsoft.com/office/drawing/2010/main" xmlns="" w="9525">
                   <a:solidFill>
                     <a:srgbClr val="000000"/>
                   </a:solidFill>
@@ -754,7 +1192,7 @@
             </a:ln>
             <a:extLst>
               <a:ext uri="{91240B29-F687-4f45-9708-019B960494DF}">
-                <a14:hiddenLine xmlns="" xmlns:a14="http://schemas.microsoft.com/office/drawing/2010/main" w="9525">
+                <a14:hiddenLine xmlns:a14="http://schemas.microsoft.com/office/drawing/2010/main" xmlns="" w="9525">
                   <a:solidFill>
                     <a:srgbClr val="000000"/>
                   </a:solidFill>
@@ -816,7 +1254,7 @@
             </a:ln>
             <a:extLst>
               <a:ext uri="{91240B29-F687-4f45-9708-019B960494DF}">
-                <a14:hiddenLine xmlns="" xmlns:a14="http://schemas.microsoft.com/office/drawing/2010/main" w="9525">
+                <a14:hiddenLine xmlns:a14="http://schemas.microsoft.com/office/drawing/2010/main" xmlns="" w="9525">
                   <a:solidFill>
                     <a:srgbClr val="000000"/>
                   </a:solidFill>
@@ -878,7 +1316,7 @@
             </a:ln>
             <a:extLst>
               <a:ext uri="{91240B29-F687-4f45-9708-019B960494DF}">
-                <a14:hiddenLine xmlns="" xmlns:a14="http://schemas.microsoft.com/office/drawing/2010/main" w="9525">
+                <a14:hiddenLine xmlns:a14="http://schemas.microsoft.com/office/drawing/2010/main" xmlns="" w="9525">
                   <a:solidFill>
                     <a:srgbClr val="000000"/>
                   </a:solidFill>
@@ -968,7 +1406,7 @@
             </a:ln>
             <a:extLst>
               <a:ext uri="{91240B29-F687-4f45-9708-019B960494DF}">
-                <a14:hiddenLine xmlns="" xmlns:a14="http://schemas.microsoft.com/office/drawing/2010/main" w="9525">
+                <a14:hiddenLine xmlns:a14="http://schemas.microsoft.com/office/drawing/2010/main" xmlns="" w="9525">
                   <a:solidFill>
                     <a:srgbClr val="000000"/>
                   </a:solidFill>
@@ -1058,7 +1496,7 @@
             </a:ln>
             <a:extLst>
               <a:ext uri="{91240B29-F687-4f45-9708-019B960494DF}">
-                <a14:hiddenLine xmlns="" xmlns:a14="http://schemas.microsoft.com/office/drawing/2010/main" w="9525">
+                <a14:hiddenLine xmlns:a14="http://schemas.microsoft.com/office/drawing/2010/main" xmlns="" w="9525">
                   <a:solidFill>
                     <a:srgbClr val="000000"/>
                   </a:solidFill>
@@ -1120,7 +1558,7 @@
             </a:ln>
             <a:extLst>
               <a:ext uri="{91240B29-F687-4f45-9708-019B960494DF}">
-                <a14:hiddenLine xmlns="" xmlns:a14="http://schemas.microsoft.com/office/drawing/2010/main" w="9525">
+                <a14:hiddenLine xmlns:a14="http://schemas.microsoft.com/office/drawing/2010/main" xmlns="" w="9525">
                   <a:solidFill>
                     <a:srgbClr val="000000"/>
                   </a:solidFill>
@@ -1230,7 +1668,7 @@
             </a:ln>
             <a:extLst>
               <a:ext uri="{91240B29-F687-4f45-9708-019B960494DF}">
-                <a14:hiddenLine xmlns="" xmlns:a14="http://schemas.microsoft.com/office/drawing/2010/main" w="9525">
+                <a14:hiddenLine xmlns:a14="http://schemas.microsoft.com/office/drawing/2010/main" xmlns="" w="9525">
                   <a:solidFill>
                     <a:srgbClr val="000000"/>
                   </a:solidFill>
@@ -1292,7 +1730,7 @@
             </a:ln>
             <a:extLst>
               <a:ext uri="{91240B29-F687-4f45-9708-019B960494DF}">
-                <a14:hiddenLine xmlns="" xmlns:a14="http://schemas.microsoft.com/office/drawing/2010/main" w="9525">
+                <a14:hiddenLine xmlns:a14="http://schemas.microsoft.com/office/drawing/2010/main" xmlns="" w="9525">
                   <a:solidFill>
                     <a:srgbClr val="000000"/>
                   </a:solidFill>
@@ -1382,7 +1820,7 @@
             </a:ln>
             <a:extLst>
               <a:ext uri="{91240B29-F687-4f45-9708-019B960494DF}">
-                <a14:hiddenLine xmlns="" xmlns:a14="http://schemas.microsoft.com/office/drawing/2010/main" w="9525">
+                <a14:hiddenLine xmlns:a14="http://schemas.microsoft.com/office/drawing/2010/main" xmlns="" w="9525">
                   <a:solidFill>
                     <a:srgbClr val="000000"/>
                   </a:solidFill>
@@ -1472,7 +1910,7 @@
             </a:ln>
             <a:extLst>
               <a:ext uri="{91240B29-F687-4f45-9708-019B960494DF}">
-                <a14:hiddenLine xmlns="" xmlns:a14="http://schemas.microsoft.com/office/drawing/2010/main" w="9525">
+                <a14:hiddenLine xmlns:a14="http://schemas.microsoft.com/office/drawing/2010/main" xmlns="" w="9525">
                   <a:solidFill>
                     <a:srgbClr val="000000"/>
                   </a:solidFill>
@@ -1534,7 +1972,7 @@
             </a:ln>
             <a:extLst>
               <a:ext uri="{91240B29-F687-4f45-9708-019B960494DF}">
-                <a14:hiddenLine xmlns="" xmlns:a14="http://schemas.microsoft.com/office/drawing/2010/main" w="9525">
+                <a14:hiddenLine xmlns:a14="http://schemas.microsoft.com/office/drawing/2010/main" xmlns="" w="9525">
                   <a:solidFill>
                     <a:srgbClr val="000000"/>
                   </a:solidFill>
@@ -1624,7 +2062,7 @@
             </a:ln>
             <a:extLst>
               <a:ext uri="{91240B29-F687-4f45-9708-019B960494DF}">
-                <a14:hiddenLine xmlns="" xmlns:a14="http://schemas.microsoft.com/office/drawing/2010/main" w="9525">
+                <a14:hiddenLine xmlns:a14="http://schemas.microsoft.com/office/drawing/2010/main" xmlns="" w="9525">
                   <a:solidFill>
                     <a:srgbClr val="000000"/>
                   </a:solidFill>
@@ -1714,7 +2152,7 @@
             </a:ln>
             <a:extLst>
               <a:ext uri="{91240B29-F687-4f45-9708-019B960494DF}">
-                <a14:hiddenLine xmlns="" xmlns:a14="http://schemas.microsoft.com/office/drawing/2010/main" w="9525">
+                <a14:hiddenLine xmlns:a14="http://schemas.microsoft.com/office/drawing/2010/main" xmlns="" w="9525">
                   <a:solidFill>
                     <a:srgbClr val="000000"/>
                   </a:solidFill>
@@ -1770,7 +2208,7 @@
             </a:ln>
             <a:extLst>
               <a:ext uri="{91240B29-F687-4f45-9708-019B960494DF}">
-                <a14:hiddenLine xmlns="" xmlns:a14="http://schemas.microsoft.com/office/drawing/2010/main" w="9525">
+                <a14:hiddenLine xmlns:a14="http://schemas.microsoft.com/office/drawing/2010/main" xmlns="" w="9525">
                   <a:solidFill>
                     <a:srgbClr val="000000"/>
                   </a:solidFill>
@@ -1860,7 +2298,7 @@
             </a:ln>
             <a:extLst>
               <a:ext uri="{91240B29-F687-4f45-9708-019B960494DF}">
-                <a14:hiddenLine xmlns="" xmlns:a14="http://schemas.microsoft.com/office/drawing/2010/main" w="9525">
+                <a14:hiddenLine xmlns:a14="http://schemas.microsoft.com/office/drawing/2010/main" xmlns="" w="9525">
                   <a:solidFill>
                     <a:srgbClr val="000000"/>
                   </a:solidFill>
@@ -1916,7 +2354,7 @@
             </a:ln>
             <a:extLst>
               <a:ext uri="{91240B29-F687-4f45-9708-019B960494DF}">
-                <a14:hiddenLine xmlns="" xmlns:a14="http://schemas.microsoft.com/office/drawing/2010/main" w="9525">
+                <a14:hiddenLine xmlns:a14="http://schemas.microsoft.com/office/drawing/2010/main" xmlns="" w="9525">
                   <a:solidFill>
                     <a:srgbClr val="000000"/>
                   </a:solidFill>
@@ -2006,7 +2444,7 @@
             </a:ln>
             <a:extLst>
               <a:ext uri="{91240B29-F687-4f45-9708-019B960494DF}">
-                <a14:hiddenLine xmlns="" xmlns:a14="http://schemas.microsoft.com/office/drawing/2010/main" w="9525">
+                <a14:hiddenLine xmlns:a14="http://schemas.microsoft.com/office/drawing/2010/main" xmlns="" w="9525">
                   <a:solidFill>
                     <a:srgbClr val="000000"/>
                   </a:solidFill>
@@ -2074,7 +2512,7 @@
             </a:ln>
             <a:extLst>
               <a:ext uri="{91240B29-F687-4f45-9708-019B960494DF}">
-                <a14:hiddenLine xmlns="" xmlns:a14="http://schemas.microsoft.com/office/drawing/2010/main" w="9525">
+                <a14:hiddenLine xmlns:a14="http://schemas.microsoft.com/office/drawing/2010/main" xmlns="" w="9525">
                   <a:solidFill>
                     <a:srgbClr val="000000"/>
                   </a:solidFill>
@@ -2164,7 +2602,7 @@
             </a:ln>
             <a:extLst>
               <a:ext uri="{91240B29-F687-4f45-9708-019B960494DF}">
-                <a14:hiddenLine xmlns="" xmlns:a14="http://schemas.microsoft.com/office/drawing/2010/main" w="9525">
+                <a14:hiddenLine xmlns:a14="http://schemas.microsoft.com/office/drawing/2010/main" xmlns="" w="9525">
                   <a:solidFill>
                     <a:srgbClr val="000000"/>
                   </a:solidFill>
@@ -2232,7 +2670,7 @@
             </a:ln>
             <a:extLst>
               <a:ext uri="{91240B29-F687-4f45-9708-019B960494DF}">
-                <a14:hiddenLine xmlns="" xmlns:a14="http://schemas.microsoft.com/office/drawing/2010/main" w="9525">
+                <a14:hiddenLine xmlns:a14="http://schemas.microsoft.com/office/drawing/2010/main" xmlns="" w="9525">
                   <a:solidFill>
                     <a:srgbClr val="000000"/>
                   </a:solidFill>
@@ -2322,7 +2760,7 @@
             </a:ln>
             <a:extLst>
               <a:ext uri="{91240B29-F687-4f45-9708-019B960494DF}">
-                <a14:hiddenLine xmlns="" xmlns:a14="http://schemas.microsoft.com/office/drawing/2010/main" w="9525">
+                <a14:hiddenLine xmlns:a14="http://schemas.microsoft.com/office/drawing/2010/main" xmlns="" w="9525">
                   <a:solidFill>
                     <a:srgbClr val="000000"/>
                   </a:solidFill>
@@ -2356,7 +2794,7 @@
             </a:ln>
             <a:extLst>
               <a:ext uri="{91240B29-F687-4f45-9708-019B960494DF}">
-                <a14:hiddenLine xmlns="" xmlns:a14="http://schemas.microsoft.com/office/drawing/2010/main" w="9525">
+                <a14:hiddenLine xmlns:a14="http://schemas.microsoft.com/office/drawing/2010/main" xmlns="" w="9525">
                   <a:solidFill>
                     <a:srgbClr val="000000"/>
                   </a:solidFill>
@@ -2446,7 +2884,7 @@
             </a:ln>
             <a:extLst>
               <a:ext uri="{91240B29-F687-4f45-9708-019B960494DF}">
-                <a14:hiddenLine xmlns="" xmlns:a14="http://schemas.microsoft.com/office/drawing/2010/main" w="9525">
+                <a14:hiddenLine xmlns:a14="http://schemas.microsoft.com/office/drawing/2010/main" xmlns="" w="9525">
                   <a:solidFill>
                     <a:srgbClr val="000000"/>
                   </a:solidFill>
@@ -2508,7 +2946,7 @@
             </a:ln>
             <a:extLst>
               <a:ext uri="{91240B29-F687-4f45-9708-019B960494DF}">
-                <a14:hiddenLine xmlns="" xmlns:a14="http://schemas.microsoft.com/office/drawing/2010/main" w="9525">
+                <a14:hiddenLine xmlns:a14="http://schemas.microsoft.com/office/drawing/2010/main" xmlns="" w="9525">
                   <a:solidFill>
                     <a:srgbClr val="000000"/>
                   </a:solidFill>
@@ -2570,7 +3008,7 @@
             </a:ln>
             <a:extLst>
               <a:ext uri="{91240B29-F687-4f45-9708-019B960494DF}">
-                <a14:hiddenLine xmlns="" xmlns:a14="http://schemas.microsoft.com/office/drawing/2010/main" w="9525">
+                <a14:hiddenLine xmlns:a14="http://schemas.microsoft.com/office/drawing/2010/main" xmlns="" w="9525">
                   <a:solidFill>
                     <a:srgbClr val="000000"/>
                   </a:solidFill>
@@ -2660,7 +3098,7 @@
             </a:ln>
             <a:extLst>
               <a:ext uri="{91240B29-F687-4f45-9708-019B960494DF}">
-                <a14:hiddenLine xmlns="" xmlns:a14="http://schemas.microsoft.com/office/drawing/2010/main" w="9525">
+                <a14:hiddenLine xmlns:a14="http://schemas.microsoft.com/office/drawing/2010/main" xmlns="" w="9525">
                   <a:solidFill>
                     <a:srgbClr val="000000"/>
                   </a:solidFill>
@@ -2728,7 +3166,7 @@
             </a:ln>
             <a:extLst>
               <a:ext uri="{91240B29-F687-4f45-9708-019B960494DF}">
-                <a14:hiddenLine xmlns="" xmlns:a14="http://schemas.microsoft.com/office/drawing/2010/main" w="9525">
+                <a14:hiddenLine xmlns:a14="http://schemas.microsoft.com/office/drawing/2010/main" xmlns="" w="9525">
                   <a:solidFill>
                     <a:srgbClr val="000000"/>
                   </a:solidFill>
@@ -2790,7 +3228,7 @@
             </a:ln>
             <a:extLst>
               <a:ext uri="{91240B29-F687-4f45-9708-019B960494DF}">
-                <a14:hiddenLine xmlns="" xmlns:a14="http://schemas.microsoft.com/office/drawing/2010/main" w="9525">
+                <a14:hiddenLine xmlns:a14="http://schemas.microsoft.com/office/drawing/2010/main" xmlns="" w="9525">
                   <a:solidFill>
                     <a:srgbClr val="000000"/>
                   </a:solidFill>
@@ -2880,7 +3318,7 @@
             </a:ln>
             <a:extLst>
               <a:ext uri="{91240B29-F687-4f45-9708-019B960494DF}">
-                <a14:hiddenLine xmlns="" xmlns:a14="http://schemas.microsoft.com/office/drawing/2010/main" w="9525">
+                <a14:hiddenLine xmlns:a14="http://schemas.microsoft.com/office/drawing/2010/main" xmlns="" w="9525">
                   <a:solidFill>
                     <a:srgbClr val="000000"/>
                   </a:solidFill>
@@ -2942,7 +3380,7 @@
             </a:ln>
             <a:extLst>
               <a:ext uri="{91240B29-F687-4f45-9708-019B960494DF}">
-                <a14:hiddenLine xmlns="" xmlns:a14="http://schemas.microsoft.com/office/drawing/2010/main" w="9525">
+                <a14:hiddenLine xmlns:a14="http://schemas.microsoft.com/office/drawing/2010/main" xmlns="" w="9525">
                   <a:solidFill>
                     <a:srgbClr val="000000"/>
                   </a:solidFill>
@@ -3032,7 +3470,7 @@
             </a:ln>
             <a:extLst>
               <a:ext uri="{91240B29-F687-4f45-9708-019B960494DF}">
-                <a14:hiddenLine xmlns="" xmlns:a14="http://schemas.microsoft.com/office/drawing/2010/main" w="9525">
+                <a14:hiddenLine xmlns:a14="http://schemas.microsoft.com/office/drawing/2010/main" xmlns="" w="9525">
                   <a:solidFill>
                     <a:srgbClr val="000000"/>
                   </a:solidFill>
@@ -3094,7 +3532,7 @@
             </a:ln>
             <a:extLst>
               <a:ext uri="{91240B29-F687-4f45-9708-019B960494DF}">
-                <a14:hiddenLine xmlns="" xmlns:a14="http://schemas.microsoft.com/office/drawing/2010/main" w="9525">
+                <a14:hiddenLine xmlns:a14="http://schemas.microsoft.com/office/drawing/2010/main" xmlns="" w="9525">
                   <a:solidFill>
                     <a:srgbClr val="000000"/>
                   </a:solidFill>
@@ -3184,7 +3622,7 @@
             </a:ln>
             <a:extLst>
               <a:ext uri="{91240B29-F687-4f45-9708-019B960494DF}">
-                <a14:hiddenLine xmlns="" xmlns:a14="http://schemas.microsoft.com/office/drawing/2010/main" w="9525">
+                <a14:hiddenLine xmlns:a14="http://schemas.microsoft.com/office/drawing/2010/main" xmlns="" w="9525">
                   <a:solidFill>
                     <a:srgbClr val="000000"/>
                   </a:solidFill>
@@ -3218,7 +3656,7 @@
             </a:ln>
             <a:extLst>
               <a:ext uri="{91240B29-F687-4f45-9708-019B960494DF}">
-                <a14:hiddenLine xmlns="" xmlns:a14="http://schemas.microsoft.com/office/drawing/2010/main" w="9525">
+                <a14:hiddenLine xmlns:a14="http://schemas.microsoft.com/office/drawing/2010/main" xmlns="" w="9525">
                   <a:solidFill>
                     <a:srgbClr val="000000"/>
                   </a:solidFill>
@@ -3283,7 +3721,7 @@
             </a:ln>
             <a:extLst>
               <a:ext uri="{91240B29-F687-4f45-9708-019B960494DF}">
-                <a14:hiddenLine xmlns="" xmlns:a14="http://schemas.microsoft.com/office/drawing/2010/main" w="9525">
+                <a14:hiddenLine xmlns:a14="http://schemas.microsoft.com/office/drawing/2010/main" xmlns="" w="9525">
                   <a:solidFill>
                     <a:srgbClr val="000000"/>
                   </a:solidFill>
@@ -3373,7 +3811,7 @@
             </a:ln>
             <a:extLst>
               <a:ext uri="{91240B29-F687-4f45-9708-019B960494DF}">
-                <a14:hiddenLine xmlns="" xmlns:a14="http://schemas.microsoft.com/office/drawing/2010/main" w="9525">
+                <a14:hiddenLine xmlns:a14="http://schemas.microsoft.com/office/drawing/2010/main" xmlns="" w="9525">
                   <a:solidFill>
                     <a:srgbClr val="000000"/>
                   </a:solidFill>
@@ -3435,7 +3873,7 @@
             </a:ln>
             <a:extLst>
               <a:ext uri="{91240B29-F687-4f45-9708-019B960494DF}">
-                <a14:hiddenLine xmlns="" xmlns:a14="http://schemas.microsoft.com/office/drawing/2010/main" w="9525">
+                <a14:hiddenLine xmlns:a14="http://schemas.microsoft.com/office/drawing/2010/main" xmlns="" w="9525">
                   <a:solidFill>
                     <a:srgbClr val="000000"/>
                   </a:solidFill>
@@ -3525,7 +3963,7 @@
             </a:ln>
             <a:extLst>
               <a:ext uri="{91240B29-F687-4f45-9708-019B960494DF}">
-                <a14:hiddenLine xmlns="" xmlns:a14="http://schemas.microsoft.com/office/drawing/2010/main" w="9525">
+                <a14:hiddenLine xmlns:a14="http://schemas.microsoft.com/office/drawing/2010/main" xmlns="" w="9525">
                   <a:solidFill>
                     <a:srgbClr val="000000"/>
                   </a:solidFill>
@@ -3615,7 +4053,7 @@
             </a:ln>
             <a:extLst>
               <a:ext uri="{91240B29-F687-4f45-9708-019B960494DF}">
-                <a14:hiddenLine xmlns="" xmlns:a14="http://schemas.microsoft.com/office/drawing/2010/main" w="9525">
+                <a14:hiddenLine xmlns:a14="http://schemas.microsoft.com/office/drawing/2010/main" xmlns="" w="9525">
                   <a:solidFill>
                     <a:srgbClr val="000000"/>
                   </a:solidFill>
@@ -3680,7 +4118,7 @@
             </a:ln>
             <a:extLst>
               <a:ext uri="{91240B29-F687-4f45-9708-019B960494DF}">
-                <a14:hiddenLine xmlns="" xmlns:a14="http://schemas.microsoft.com/office/drawing/2010/main" w="9525">
+                <a14:hiddenLine xmlns:a14="http://schemas.microsoft.com/office/drawing/2010/main" xmlns="" w="9525">
                   <a:solidFill>
                     <a:srgbClr val="000000"/>
                   </a:solidFill>
@@ -3742,7 +4180,7 @@
             </a:ln>
             <a:extLst>
               <a:ext uri="{91240B29-F687-4f45-9708-019B960494DF}">
-                <a14:hiddenLine xmlns="" xmlns:a14="http://schemas.microsoft.com/office/drawing/2010/main" w="9525">
+                <a14:hiddenLine xmlns:a14="http://schemas.microsoft.com/office/drawing/2010/main" xmlns="" w="9525">
                   <a:solidFill>
                     <a:srgbClr val="000000"/>
                   </a:solidFill>
@@ -3832,7 +4270,7 @@
             </a:ln>
             <a:extLst>
               <a:ext uri="{91240B29-F687-4f45-9708-019B960494DF}">
-                <a14:hiddenLine xmlns="" xmlns:a14="http://schemas.microsoft.com/office/drawing/2010/main" w="9525">
+                <a14:hiddenLine xmlns:a14="http://schemas.microsoft.com/office/drawing/2010/main" xmlns="" w="9525">
                   <a:solidFill>
                     <a:srgbClr val="000000"/>
                   </a:solidFill>
@@ -3922,7 +4360,7 @@
             </a:ln>
             <a:extLst>
               <a:ext uri="{91240B29-F687-4f45-9708-019B960494DF}">
-                <a14:hiddenLine xmlns="" xmlns:a14="http://schemas.microsoft.com/office/drawing/2010/main" w="9525">
+                <a14:hiddenLine xmlns:a14="http://schemas.microsoft.com/office/drawing/2010/main" xmlns="" w="9525">
                   <a:solidFill>
                     <a:srgbClr val="000000"/>
                   </a:solidFill>
@@ -3984,7 +4422,7 @@
             </a:ln>
             <a:extLst>
               <a:ext uri="{91240B29-F687-4f45-9708-019B960494DF}">
-                <a14:hiddenLine xmlns="" xmlns:a14="http://schemas.microsoft.com/office/drawing/2010/main" w="9525">
+                <a14:hiddenLine xmlns:a14="http://schemas.microsoft.com/office/drawing/2010/main" xmlns="" w="9525">
                   <a:solidFill>
                     <a:srgbClr val="000000"/>
                   </a:solidFill>
@@ -4104,7 +4542,7 @@
             </a:ln>
             <a:extLst>
               <a:ext uri="{91240B29-F687-4f45-9708-019B960494DF}">
-                <a14:hiddenLine xmlns="" xmlns:a14="http://schemas.microsoft.com/office/drawing/2010/main" w="9525">
+                <a14:hiddenLine xmlns:a14="http://schemas.microsoft.com/office/drawing/2010/main" xmlns="" w="9525">
                   <a:solidFill>
                     <a:srgbClr val="000000"/>
                   </a:solidFill>
@@ -4172,7 +4610,7 @@
             </a:ln>
             <a:extLst>
               <a:ext uri="{91240B29-F687-4f45-9708-019B960494DF}">
-                <a14:hiddenLine xmlns="" xmlns:a14="http://schemas.microsoft.com/office/drawing/2010/main" w="9525">
+                <a14:hiddenLine xmlns:a14="http://schemas.microsoft.com/office/drawing/2010/main" xmlns="" w="9525">
                   <a:solidFill>
                     <a:srgbClr val="000000"/>
                   </a:solidFill>
@@ -4262,7 +4700,7 @@
             </a:ln>
             <a:extLst>
               <a:ext uri="{91240B29-F687-4f45-9708-019B960494DF}">
-                <a14:hiddenLine xmlns="" xmlns:a14="http://schemas.microsoft.com/office/drawing/2010/main" w="9525">
+                <a14:hiddenLine xmlns:a14="http://schemas.microsoft.com/office/drawing/2010/main" xmlns="" w="9525">
                   <a:solidFill>
                     <a:srgbClr val="000000"/>
                   </a:solidFill>
@@ -4402,7 +4840,7 @@
           <a:p>
             <a:fld id="{31DA6432-FCB5-9049-BBD9-A80BF52886AC}" type="datetimeFigureOut">
               <a:rPr lang="en-US" smtClean="0"/>
-              <a:t>11/18/20</a:t>
+              <a:t>11/20/20</a:t>
             </a:fld>
             <a:endParaRPr lang="en-US"/>
           </a:p>
@@ -4669,7 +5107,7 @@
           <a:p>
             <a:fld id="{31DA6432-FCB5-9049-BBD9-A80BF52886AC}" type="datetimeFigureOut">
               <a:rPr lang="en-US" smtClean="0"/>
-              <a:t>11/18/20</a:t>
+              <a:t>11/20/20</a:t>
             </a:fld>
             <a:endParaRPr lang="en-US"/>
           </a:p>
@@ -4865,7 +5303,7 @@
           <a:p>
             <a:fld id="{31DA6432-FCB5-9049-BBD9-A80BF52886AC}" type="datetimeFigureOut">
               <a:rPr lang="en-US" smtClean="0"/>
-              <a:t>11/18/20</a:t>
+              <a:t>11/20/20</a:t>
             </a:fld>
             <a:endParaRPr lang="en-US"/>
           </a:p>
@@ -5128,7 +5566,7 @@
           <a:p>
             <a:fld id="{31DA6432-FCB5-9049-BBD9-A80BF52886AC}" type="datetimeFigureOut">
               <a:rPr lang="en-US" smtClean="0"/>
-              <a:t>11/18/20</a:t>
+              <a:t>11/20/20</a:t>
             </a:fld>
             <a:endParaRPr lang="en-US"/>
           </a:p>
@@ -5562,7 +6000,7 @@
           <a:p>
             <a:fld id="{31DA6432-FCB5-9049-BBD9-A80BF52886AC}" type="datetimeFigureOut">
               <a:rPr lang="en-US" smtClean="0"/>
-              <a:t>11/18/20</a:t>
+              <a:t>11/20/20</a:t>
             </a:fld>
             <a:endParaRPr lang="en-US"/>
           </a:p>
@@ -6108,7 +6546,7 @@
           <a:p>
             <a:fld id="{31DA6432-FCB5-9049-BBD9-A80BF52886AC}" type="datetimeFigureOut">
               <a:rPr lang="en-US" smtClean="0"/>
-              <a:t>11/18/20</a:t>
+              <a:t>11/20/20</a:t>
             </a:fld>
             <a:endParaRPr lang="en-US"/>
           </a:p>
@@ -6828,7 +7266,7 @@
           <a:p>
             <a:fld id="{31DA6432-FCB5-9049-BBD9-A80BF52886AC}" type="datetimeFigureOut">
               <a:rPr lang="en-US" smtClean="0"/>
-              <a:t>11/18/20</a:t>
+              <a:t>11/20/20</a:t>
             </a:fld>
             <a:endParaRPr lang="en-US"/>
           </a:p>
@@ -6998,7 +7436,7 @@
           <a:p>
             <a:fld id="{31DA6432-FCB5-9049-BBD9-A80BF52886AC}" type="datetimeFigureOut">
               <a:rPr lang="en-US" smtClean="0"/>
-              <a:t>11/18/20</a:t>
+              <a:t>11/20/20</a:t>
             </a:fld>
             <a:endParaRPr lang="en-US"/>
           </a:p>
@@ -7178,7 +7616,7 @@
           <a:p>
             <a:fld id="{31DA6432-FCB5-9049-BBD9-A80BF52886AC}" type="datetimeFigureOut">
               <a:rPr lang="en-US" smtClean="0"/>
-              <a:t>11/18/20</a:t>
+              <a:t>11/20/20</a:t>
             </a:fld>
             <a:endParaRPr lang="en-US"/>
           </a:p>
@@ -7348,7 +7786,7 @@
           <a:p>
             <a:fld id="{31DA6432-FCB5-9049-BBD9-A80BF52886AC}" type="datetimeFigureOut">
               <a:rPr lang="en-US" smtClean="0"/>
-              <a:t>11/18/20</a:t>
+              <a:t>11/20/20</a:t>
             </a:fld>
             <a:endParaRPr lang="en-US"/>
           </a:p>
@@ -7598,7 +8036,7 @@
           <a:p>
             <a:fld id="{31DA6432-FCB5-9049-BBD9-A80BF52886AC}" type="datetimeFigureOut">
               <a:rPr lang="en-US" smtClean="0"/>
-              <a:t>11/18/20</a:t>
+              <a:t>11/20/20</a:t>
             </a:fld>
             <a:endParaRPr lang="en-US"/>
           </a:p>
@@ -7830,7 +8268,7 @@
           <a:p>
             <a:fld id="{31DA6432-FCB5-9049-BBD9-A80BF52886AC}" type="datetimeFigureOut">
               <a:rPr lang="en-US" smtClean="0"/>
-              <a:t>11/18/20</a:t>
+              <a:t>11/20/20</a:t>
             </a:fld>
             <a:endParaRPr lang="en-US"/>
           </a:p>
@@ -8211,7 +8649,7 @@
           <a:p>
             <a:fld id="{31DA6432-FCB5-9049-BBD9-A80BF52886AC}" type="datetimeFigureOut">
               <a:rPr lang="en-US" smtClean="0"/>
-              <a:t>11/18/20</a:t>
+              <a:t>11/20/20</a:t>
             </a:fld>
             <a:endParaRPr lang="en-US"/>
           </a:p>
@@ -8329,7 +8767,7 @@
           <a:p>
             <a:fld id="{31DA6432-FCB5-9049-BBD9-A80BF52886AC}" type="datetimeFigureOut">
               <a:rPr lang="en-US" smtClean="0"/>
-              <a:t>11/18/20</a:t>
+              <a:t>11/20/20</a:t>
             </a:fld>
             <a:endParaRPr lang="en-US"/>
           </a:p>
@@ -8424,7 +8862,7 @@
           <a:p>
             <a:fld id="{31DA6432-FCB5-9049-BBD9-A80BF52886AC}" type="datetimeFigureOut">
               <a:rPr lang="en-US" smtClean="0"/>
-              <a:t>11/18/20</a:t>
+              <a:t>11/20/20</a:t>
             </a:fld>
             <a:endParaRPr lang="en-US"/>
           </a:p>
@@ -8673,7 +9111,7 @@
           <a:p>
             <a:fld id="{31DA6432-FCB5-9049-BBD9-A80BF52886AC}" type="datetimeFigureOut">
               <a:rPr lang="en-US" smtClean="0"/>
-              <a:t>11/18/20</a:t>
+              <a:t>11/20/20</a:t>
             </a:fld>
             <a:endParaRPr lang="en-US"/>
           </a:p>
@@ -8953,7 +9391,7 @@
           <a:p>
             <a:fld id="{31DA6432-FCB5-9049-BBD9-A80BF52886AC}" type="datetimeFigureOut">
               <a:rPr lang="en-US" smtClean="0"/>
-              <a:t>11/18/20</a:t>
+              <a:t>11/20/20</a:t>
             </a:fld>
             <a:endParaRPr lang="en-US"/>
           </a:p>
@@ -9076,7 +9514,7 @@
           <a:noFill/>
           <a:extLst>
             <a:ext uri="{909E8E84-426E-40dd-AFC4-6F175D3DCCD1}">
-              <a14:hiddenFill xmlns="" xmlns:a14="http://schemas.microsoft.com/office/drawing/2010/main">
+              <a14:hiddenFill xmlns:a14="http://schemas.microsoft.com/office/drawing/2010/main" xmlns="">
                 <a:solidFill>
                   <a:srgbClr val="FFFFFF"/>
                 </a:solidFill>
@@ -9150,7 +9588,7 @@
               </a:ln>
               <a:extLst>
                 <a:ext uri="{91240B29-F687-4f45-9708-019B960494DF}">
-                  <a14:hiddenLine xmlns="" xmlns:a14="http://schemas.microsoft.com/office/drawing/2010/main" w="9525">
+                  <a14:hiddenLine xmlns:a14="http://schemas.microsoft.com/office/drawing/2010/main" xmlns="" w="9525">
                     <a:solidFill>
                       <a:srgbClr val="000000"/>
                     </a:solidFill>
@@ -9240,7 +9678,7 @@
               </a:ln>
               <a:extLst>
                 <a:ext uri="{91240B29-F687-4f45-9708-019B960494DF}">
-                  <a14:hiddenLine xmlns="" xmlns:a14="http://schemas.microsoft.com/office/drawing/2010/main" w="9525">
+                  <a14:hiddenLine xmlns:a14="http://schemas.microsoft.com/office/drawing/2010/main" xmlns="" w="9525">
                     <a:solidFill>
                       <a:srgbClr val="000000"/>
                     </a:solidFill>
@@ -9330,7 +9768,7 @@
               </a:ln>
               <a:extLst>
                 <a:ext uri="{91240B29-F687-4f45-9708-019B960494DF}">
-                  <a14:hiddenLine xmlns="" xmlns:a14="http://schemas.microsoft.com/office/drawing/2010/main" w="9525">
+                  <a14:hiddenLine xmlns:a14="http://schemas.microsoft.com/office/drawing/2010/main" xmlns="" w="9525">
                     <a:solidFill>
                       <a:srgbClr val="000000"/>
                     </a:solidFill>
@@ -9392,7 +9830,7 @@
               </a:ln>
               <a:extLst>
                 <a:ext uri="{91240B29-F687-4f45-9708-019B960494DF}">
-                  <a14:hiddenLine xmlns="" xmlns:a14="http://schemas.microsoft.com/office/drawing/2010/main" w="9525">
+                  <a14:hiddenLine xmlns:a14="http://schemas.microsoft.com/office/drawing/2010/main" xmlns="" w="9525">
                     <a:solidFill>
                       <a:srgbClr val="000000"/>
                     </a:solidFill>
@@ -9482,7 +9920,7 @@
               </a:ln>
               <a:extLst>
                 <a:ext uri="{91240B29-F687-4f45-9708-019B960494DF}">
-                  <a14:hiddenLine xmlns="" xmlns:a14="http://schemas.microsoft.com/office/drawing/2010/main" w="9525">
+                  <a14:hiddenLine xmlns:a14="http://schemas.microsoft.com/office/drawing/2010/main" xmlns="" w="9525">
                     <a:solidFill>
                       <a:srgbClr val="000000"/>
                     </a:solidFill>
@@ -9544,7 +9982,7 @@
               </a:ln>
               <a:extLst>
                 <a:ext uri="{91240B29-F687-4f45-9708-019B960494DF}">
-                  <a14:hiddenLine xmlns="" xmlns:a14="http://schemas.microsoft.com/office/drawing/2010/main" w="9525">
+                  <a14:hiddenLine xmlns:a14="http://schemas.microsoft.com/office/drawing/2010/main" xmlns="" w="9525">
                     <a:solidFill>
                       <a:srgbClr val="000000"/>
                     </a:solidFill>
@@ -9606,7 +10044,7 @@
               </a:ln>
               <a:extLst>
                 <a:ext uri="{91240B29-F687-4f45-9708-019B960494DF}">
-                  <a14:hiddenLine xmlns="" xmlns:a14="http://schemas.microsoft.com/office/drawing/2010/main" w="9525">
+                  <a14:hiddenLine xmlns:a14="http://schemas.microsoft.com/office/drawing/2010/main" xmlns="" w="9525">
                     <a:solidFill>
                       <a:srgbClr val="000000"/>
                     </a:solidFill>
@@ -9696,7 +10134,7 @@
               </a:ln>
               <a:extLst>
                 <a:ext uri="{91240B29-F687-4f45-9708-019B960494DF}">
-                  <a14:hiddenLine xmlns="" xmlns:a14="http://schemas.microsoft.com/office/drawing/2010/main" w="9525">
+                  <a14:hiddenLine xmlns:a14="http://schemas.microsoft.com/office/drawing/2010/main" xmlns="" w="9525">
                     <a:solidFill>
                       <a:srgbClr val="000000"/>
                     </a:solidFill>
@@ -9786,7 +10224,7 @@
               </a:ln>
               <a:extLst>
                 <a:ext uri="{91240B29-F687-4f45-9708-019B960494DF}">
-                  <a14:hiddenLine xmlns="" xmlns:a14="http://schemas.microsoft.com/office/drawing/2010/main" w="9525">
+                  <a14:hiddenLine xmlns:a14="http://schemas.microsoft.com/office/drawing/2010/main" xmlns="" w="9525">
                     <a:solidFill>
                       <a:srgbClr val="000000"/>
                     </a:solidFill>
@@ -9848,7 +10286,7 @@
               </a:ln>
               <a:extLst>
                 <a:ext uri="{91240B29-F687-4f45-9708-019B960494DF}">
-                  <a14:hiddenLine xmlns="" xmlns:a14="http://schemas.microsoft.com/office/drawing/2010/main" w="9525">
+                  <a14:hiddenLine xmlns:a14="http://schemas.microsoft.com/office/drawing/2010/main" xmlns="" w="9525">
                     <a:solidFill>
                       <a:srgbClr val="000000"/>
                     </a:solidFill>
@@ -9958,7 +10396,7 @@
               </a:ln>
               <a:extLst>
                 <a:ext uri="{91240B29-F687-4f45-9708-019B960494DF}">
-                  <a14:hiddenLine xmlns="" xmlns:a14="http://schemas.microsoft.com/office/drawing/2010/main" w="9525">
+                  <a14:hiddenLine xmlns:a14="http://schemas.microsoft.com/office/drawing/2010/main" xmlns="" w="9525">
                     <a:solidFill>
                       <a:srgbClr val="000000"/>
                     </a:solidFill>
@@ -10042,7 +10480,7 @@
               </a:ln>
               <a:extLst>
                 <a:ext uri="{91240B29-F687-4f45-9708-019B960494DF}">
-                  <a14:hiddenLine xmlns="" xmlns:a14="http://schemas.microsoft.com/office/drawing/2010/main" w="9525">
+                  <a14:hiddenLine xmlns:a14="http://schemas.microsoft.com/office/drawing/2010/main" xmlns="" w="9525">
                     <a:solidFill>
                       <a:srgbClr val="000000"/>
                     </a:solidFill>
@@ -10104,7 +10542,7 @@
               </a:ln>
               <a:extLst>
                 <a:ext uri="{91240B29-F687-4f45-9708-019B960494DF}">
-                  <a14:hiddenLine xmlns="" xmlns:a14="http://schemas.microsoft.com/office/drawing/2010/main" w="9525">
+                  <a14:hiddenLine xmlns:a14="http://schemas.microsoft.com/office/drawing/2010/main" xmlns="" w="9525">
                     <a:solidFill>
                       <a:srgbClr val="000000"/>
                     </a:solidFill>
@@ -10166,7 +10604,7 @@
               </a:ln>
               <a:extLst>
                 <a:ext uri="{91240B29-F687-4f45-9708-019B960494DF}">
-                  <a14:hiddenLine xmlns="" xmlns:a14="http://schemas.microsoft.com/office/drawing/2010/main" w="9525">
+                  <a14:hiddenLine xmlns:a14="http://schemas.microsoft.com/office/drawing/2010/main" xmlns="" w="9525">
                     <a:solidFill>
                       <a:srgbClr val="000000"/>
                     </a:solidFill>
@@ -10256,7 +10694,7 @@
               </a:ln>
               <a:extLst>
                 <a:ext uri="{91240B29-F687-4f45-9708-019B960494DF}">
-                  <a14:hiddenLine xmlns="" xmlns:a14="http://schemas.microsoft.com/office/drawing/2010/main" w="9525">
+                  <a14:hiddenLine xmlns:a14="http://schemas.microsoft.com/office/drawing/2010/main" xmlns="" w="9525">
                     <a:solidFill>
                       <a:srgbClr val="000000"/>
                     </a:solidFill>
@@ -10290,7 +10728,7 @@
               </a:ln>
               <a:extLst>
                 <a:ext uri="{91240B29-F687-4f45-9708-019B960494DF}">
-                  <a14:hiddenLine xmlns="" xmlns:a14="http://schemas.microsoft.com/office/drawing/2010/main" w="9525">
+                  <a14:hiddenLine xmlns:a14="http://schemas.microsoft.com/office/drawing/2010/main" xmlns="" w="9525">
                     <a:solidFill>
                       <a:srgbClr val="000000"/>
                     </a:solidFill>
@@ -10355,7 +10793,7 @@
               </a:ln>
               <a:extLst>
                 <a:ext uri="{91240B29-F687-4f45-9708-019B960494DF}">
-                  <a14:hiddenLine xmlns="" xmlns:a14="http://schemas.microsoft.com/office/drawing/2010/main" w="9525">
+                  <a14:hiddenLine xmlns:a14="http://schemas.microsoft.com/office/drawing/2010/main" xmlns="" w="9525">
                     <a:solidFill>
                       <a:srgbClr val="000000"/>
                     </a:solidFill>
@@ -10445,7 +10883,7 @@
               </a:ln>
               <a:extLst>
                 <a:ext uri="{91240B29-F687-4f45-9708-019B960494DF}">
-                  <a14:hiddenLine xmlns="" xmlns:a14="http://schemas.microsoft.com/office/drawing/2010/main" w="9525">
+                  <a14:hiddenLine xmlns:a14="http://schemas.microsoft.com/office/drawing/2010/main" xmlns="" w="9525">
                     <a:solidFill>
                       <a:srgbClr val="000000"/>
                     </a:solidFill>
@@ -10507,7 +10945,7 @@
               </a:ln>
               <a:extLst>
                 <a:ext uri="{91240B29-F687-4f45-9708-019B960494DF}">
-                  <a14:hiddenLine xmlns="" xmlns:a14="http://schemas.microsoft.com/office/drawing/2010/main" w="9525">
+                  <a14:hiddenLine xmlns:a14="http://schemas.microsoft.com/office/drawing/2010/main" xmlns="" w="9525">
                     <a:solidFill>
                       <a:srgbClr val="000000"/>
                     </a:solidFill>
@@ -10597,7 +11035,7 @@
               </a:ln>
               <a:extLst>
                 <a:ext uri="{91240B29-F687-4f45-9708-019B960494DF}">
-                  <a14:hiddenLine xmlns="" xmlns:a14="http://schemas.microsoft.com/office/drawing/2010/main" w="9525">
+                  <a14:hiddenLine xmlns:a14="http://schemas.microsoft.com/office/drawing/2010/main" xmlns="" w="9525">
                     <a:solidFill>
                       <a:srgbClr val="000000"/>
                     </a:solidFill>
@@ -10662,7 +11100,7 @@
               </a:ln>
               <a:extLst>
                 <a:ext uri="{91240B29-F687-4f45-9708-019B960494DF}">
-                  <a14:hiddenLine xmlns="" xmlns:a14="http://schemas.microsoft.com/office/drawing/2010/main" w="9525">
+                  <a14:hiddenLine xmlns:a14="http://schemas.microsoft.com/office/drawing/2010/main" xmlns="" w="9525">
                     <a:solidFill>
                       <a:srgbClr val="000000"/>
                     </a:solidFill>
@@ -10724,7 +11162,7 @@
               </a:ln>
               <a:extLst>
                 <a:ext uri="{91240B29-F687-4f45-9708-019B960494DF}">
-                  <a14:hiddenLine xmlns="" xmlns:a14="http://schemas.microsoft.com/office/drawing/2010/main" w="9525">
+                  <a14:hiddenLine xmlns:a14="http://schemas.microsoft.com/office/drawing/2010/main" xmlns="" w="9525">
                     <a:solidFill>
                       <a:srgbClr val="000000"/>
                     </a:solidFill>
@@ -10814,7 +11252,7 @@
               </a:ln>
               <a:extLst>
                 <a:ext uri="{91240B29-F687-4f45-9708-019B960494DF}">
-                  <a14:hiddenLine xmlns="" xmlns:a14="http://schemas.microsoft.com/office/drawing/2010/main" w="9525">
+                  <a14:hiddenLine xmlns:a14="http://schemas.microsoft.com/office/drawing/2010/main" xmlns="" w="9525">
                     <a:solidFill>
                       <a:srgbClr val="000000"/>
                     </a:solidFill>
@@ -10904,7 +11342,7 @@
               </a:ln>
               <a:extLst>
                 <a:ext uri="{91240B29-F687-4f45-9708-019B960494DF}">
-                  <a14:hiddenLine xmlns="" xmlns:a14="http://schemas.microsoft.com/office/drawing/2010/main" w="9525">
+                  <a14:hiddenLine xmlns:a14="http://schemas.microsoft.com/office/drawing/2010/main" xmlns="" w="9525">
                     <a:solidFill>
                       <a:srgbClr val="000000"/>
                     </a:solidFill>
@@ -10969,7 +11407,7 @@
               </a:ln>
               <a:extLst>
                 <a:ext uri="{91240B29-F687-4f45-9708-019B960494DF}">
-                  <a14:hiddenLine xmlns="" xmlns:a14="http://schemas.microsoft.com/office/drawing/2010/main" w="9525">
+                  <a14:hiddenLine xmlns:a14="http://schemas.microsoft.com/office/drawing/2010/main" xmlns="" w="9525">
                     <a:solidFill>
                       <a:srgbClr val="000000"/>
                     </a:solidFill>
@@ -11089,7 +11527,7 @@
               </a:ln>
               <a:extLst>
                 <a:ext uri="{91240B29-F687-4f45-9708-019B960494DF}">
-                  <a14:hiddenLine xmlns="" xmlns:a14="http://schemas.microsoft.com/office/drawing/2010/main" w="9525">
+                  <a14:hiddenLine xmlns:a14="http://schemas.microsoft.com/office/drawing/2010/main" xmlns="" w="9525">
                     <a:solidFill>
                       <a:srgbClr val="000000"/>
                     </a:solidFill>
@@ -11170,7 +11608,7 @@
               </a:ln>
               <a:extLst>
                 <a:ext uri="{91240B29-F687-4f45-9708-019B960494DF}">
-                  <a14:hiddenLine xmlns="" xmlns:a14="http://schemas.microsoft.com/office/drawing/2010/main" w="9525">
+                  <a14:hiddenLine xmlns:a14="http://schemas.microsoft.com/office/drawing/2010/main" xmlns="" w="9525">
                     <a:solidFill>
                       <a:srgbClr val="000000"/>
                     </a:solidFill>
@@ -11285,7 +11723,7 @@
               </a:ln>
               <a:extLst>
                 <a:ext uri="{91240B29-F687-4f45-9708-019B960494DF}">
-                  <a14:hiddenLine xmlns="" xmlns:a14="http://schemas.microsoft.com/office/drawing/2010/main" w="9525">
+                  <a14:hiddenLine xmlns:a14="http://schemas.microsoft.com/office/drawing/2010/main" xmlns="" w="9525">
                     <a:solidFill>
                       <a:srgbClr val="000000"/>
                     </a:solidFill>
@@ -11375,7 +11813,7 @@
               </a:ln>
               <a:extLst>
                 <a:ext uri="{91240B29-F687-4f45-9708-019B960494DF}">
-                  <a14:hiddenLine xmlns="" xmlns:a14="http://schemas.microsoft.com/office/drawing/2010/main" w="9525">
+                  <a14:hiddenLine xmlns:a14="http://schemas.microsoft.com/office/drawing/2010/main" xmlns="" w="9525">
                     <a:solidFill>
                       <a:srgbClr val="000000"/>
                     </a:solidFill>
@@ -11440,7 +11878,7 @@
               </a:ln>
               <a:extLst>
                 <a:ext uri="{91240B29-F687-4f45-9708-019B960494DF}">
-                  <a14:hiddenLine xmlns="" xmlns:a14="http://schemas.microsoft.com/office/drawing/2010/main" w="9525">
+                  <a14:hiddenLine xmlns:a14="http://schemas.microsoft.com/office/drawing/2010/main" xmlns="" w="9525">
                     <a:solidFill>
                       <a:srgbClr val="000000"/>
                     </a:solidFill>
@@ -11530,7 +11968,7 @@
               </a:ln>
               <a:extLst>
                 <a:ext uri="{91240B29-F687-4f45-9708-019B960494DF}">
-                  <a14:hiddenLine xmlns="" xmlns:a14="http://schemas.microsoft.com/office/drawing/2010/main" w="9525">
+                  <a14:hiddenLine xmlns:a14="http://schemas.microsoft.com/office/drawing/2010/main" xmlns="" w="9525">
                     <a:solidFill>
                       <a:srgbClr val="000000"/>
                     </a:solidFill>
@@ -11598,7 +12036,7 @@
               </a:ln>
               <a:extLst>
                 <a:ext uri="{91240B29-F687-4f45-9708-019B960494DF}">
-                  <a14:hiddenLine xmlns="" xmlns:a14="http://schemas.microsoft.com/office/drawing/2010/main" w="9525">
+                  <a14:hiddenLine xmlns:a14="http://schemas.microsoft.com/office/drawing/2010/main" xmlns="" w="9525">
                     <a:solidFill>
                       <a:srgbClr val="000000"/>
                     </a:solidFill>
@@ -11688,7 +12126,7 @@
               </a:ln>
               <a:extLst>
                 <a:ext uri="{91240B29-F687-4f45-9708-019B960494DF}">
-                  <a14:hiddenLine xmlns="" xmlns:a14="http://schemas.microsoft.com/office/drawing/2010/main" w="9525">
+                  <a14:hiddenLine xmlns:a14="http://schemas.microsoft.com/office/drawing/2010/main" xmlns="" w="9525">
                     <a:solidFill>
                       <a:srgbClr val="000000"/>
                     </a:solidFill>
@@ -11756,7 +12194,7 @@
               </a:ln>
               <a:extLst>
                 <a:ext uri="{91240B29-F687-4f45-9708-019B960494DF}">
-                  <a14:hiddenLine xmlns="" xmlns:a14="http://schemas.microsoft.com/office/drawing/2010/main" w="9525">
+                  <a14:hiddenLine xmlns:a14="http://schemas.microsoft.com/office/drawing/2010/main" xmlns="" w="9525">
                     <a:solidFill>
                       <a:srgbClr val="000000"/>
                     </a:solidFill>
@@ -11846,7 +12284,7 @@
               </a:ln>
               <a:extLst>
                 <a:ext uri="{91240B29-F687-4f45-9708-019B960494DF}">
-                  <a14:hiddenLine xmlns="" xmlns:a14="http://schemas.microsoft.com/office/drawing/2010/main" w="9525">
+                  <a14:hiddenLine xmlns:a14="http://schemas.microsoft.com/office/drawing/2010/main" xmlns="" w="9525">
                     <a:solidFill>
                       <a:srgbClr val="000000"/>
                     </a:solidFill>
@@ -11880,7 +12318,7 @@
               </a:ln>
               <a:extLst>
                 <a:ext uri="{91240B29-F687-4f45-9708-019B960494DF}">
-                  <a14:hiddenLine xmlns="" xmlns:a14="http://schemas.microsoft.com/office/drawing/2010/main" w="9525">
+                  <a14:hiddenLine xmlns:a14="http://schemas.microsoft.com/office/drawing/2010/main" xmlns="" w="9525">
                     <a:solidFill>
                       <a:srgbClr val="000000"/>
                     </a:solidFill>
@@ -12020,7 +12458,7 @@
           <a:p>
             <a:fld id="{31DA6432-FCB5-9049-BBD9-A80BF52886AC}" type="datetimeFigureOut">
               <a:rPr lang="en-US" smtClean="0"/>
-              <a:t>11/18/20</a:t>
+              <a:t>11/20/20</a:t>
             </a:fld>
             <a:endParaRPr lang="en-US"/>
           </a:p>
@@ -12463,7 +12901,7 @@
           <a:p>
             <a:r>
               <a:rPr lang="en-US" dirty="0"/>
-              <a:t>News Summarization</a:t>
+              <a:t>News Summarization Website</a:t>
             </a:r>
           </a:p>
         </p:txBody>
@@ -12500,6 +12938,191 @@
     <p:extLst>
       <p:ext uri="{BB962C8B-B14F-4D97-AF65-F5344CB8AC3E}">
         <p14:creationId xmlns:p14="http://schemas.microsoft.com/office/powerpoint/2010/main" val="3189819147"/>
+      </p:ext>
+    </p:extLst>
+  </p:cSld>
+  <p:clrMapOvr>
+    <a:masterClrMapping/>
+  </p:clrMapOvr>
+</p:sld>
+</file>
+
+<file path=ppt/slides/slide10.xml><?xml version="1.0" encoding="utf-8"?>
+<p:sld xmlns:a="http://schemas.openxmlformats.org/drawingml/2006/main" xmlns:r="http://schemas.openxmlformats.org/officeDocument/2006/relationships" xmlns:p="http://schemas.openxmlformats.org/presentationml/2006/main">
+  <p:cSld>
+    <p:spTree>
+      <p:nvGrpSpPr>
+        <p:cNvPr id="1" name=""/>
+        <p:cNvGrpSpPr/>
+        <p:nvPr/>
+      </p:nvGrpSpPr>
+      <p:grpSpPr>
+        <a:xfrm>
+          <a:off x="0" y="0"/>
+          <a:ext cx="0" cy="0"/>
+          <a:chOff x="0" y="0"/>
+          <a:chExt cx="0" cy="0"/>
+        </a:xfrm>
+      </p:grpSpPr>
+      <p:sp>
+        <p:nvSpPr>
+          <p:cNvPr id="2" name="Title 1">
+            <a:extLst>
+              <a:ext uri="{FF2B5EF4-FFF2-40B4-BE49-F238E27FC236}">
+                <a16:creationId xmlns:a16="http://schemas.microsoft.com/office/drawing/2014/main" id="{6C1DFB7F-6B57-ED43-B23D-F17351AC68FD}"/>
+              </a:ext>
+            </a:extLst>
+          </p:cNvPr>
+          <p:cNvSpPr>
+            <a:spLocks noGrp="1"/>
+          </p:cNvSpPr>
+          <p:nvPr>
+            <p:ph type="title"/>
+          </p:nvPr>
+        </p:nvSpPr>
+        <p:spPr/>
+        <p:txBody>
+          <a:bodyPr/>
+          <a:lstStyle/>
+          <a:p>
+            <a:r>
+              <a:rPr lang="en-US" dirty="0"/>
+              <a:t>Areas of Improvement</a:t>
+            </a:r>
+          </a:p>
+        </p:txBody>
+      </p:sp>
+      <p:sp>
+        <p:nvSpPr>
+          <p:cNvPr id="3" name="Content Placeholder 2">
+            <a:extLst>
+              <a:ext uri="{FF2B5EF4-FFF2-40B4-BE49-F238E27FC236}">
+                <a16:creationId xmlns:a16="http://schemas.microsoft.com/office/drawing/2014/main" id="{DCE50152-9ACE-6E42-B03A-0545DCA40DAB}"/>
+              </a:ext>
+            </a:extLst>
+          </p:cNvPr>
+          <p:cNvSpPr>
+            <a:spLocks noGrp="1"/>
+          </p:cNvSpPr>
+          <p:nvPr>
+            <p:ph idx="1"/>
+          </p:nvPr>
+        </p:nvSpPr>
+        <p:spPr/>
+        <p:txBody>
+          <a:bodyPr/>
+          <a:lstStyle/>
+          <a:p>
+            <a:r>
+              <a:rPr lang="en-US" dirty="0"/>
+              <a:t>Efficiency</a:t>
+            </a:r>
+          </a:p>
+          <a:p>
+            <a:pPr lvl="1"/>
+            <a:r>
+              <a:rPr lang="en-US" dirty="0"/>
+              <a:t>Currently takes close to 30 minutes for web server to start. Users would never see this when visiting the site but when starting the server it takes a bit.</a:t>
+            </a:r>
+          </a:p>
+          <a:p>
+            <a:r>
+              <a:rPr lang="en-US" dirty="0"/>
+              <a:t>Front-End</a:t>
+            </a:r>
+          </a:p>
+          <a:p>
+            <a:pPr lvl="1"/>
+            <a:r>
+              <a:rPr lang="en-US" dirty="0"/>
+              <a:t>Better Colors</a:t>
+            </a:r>
+          </a:p>
+          <a:p>
+            <a:pPr lvl="1"/>
+            <a:r>
+              <a:rPr lang="en-US" dirty="0"/>
+              <a:t>A Header</a:t>
+            </a:r>
+          </a:p>
+          <a:p>
+            <a:r>
+              <a:rPr lang="en-US" dirty="0"/>
+              <a:t>Add Daily Email</a:t>
+            </a:r>
+          </a:p>
+        </p:txBody>
+      </p:sp>
+    </p:spTree>
+    <p:extLst>
+      <p:ext uri="{BB962C8B-B14F-4D97-AF65-F5344CB8AC3E}">
+        <p14:creationId xmlns:p14="http://schemas.microsoft.com/office/powerpoint/2010/main" val="3459974451"/>
+      </p:ext>
+    </p:extLst>
+  </p:cSld>
+  <p:clrMapOvr>
+    <a:masterClrMapping/>
+  </p:clrMapOvr>
+</p:sld>
+</file>
+
+<file path=ppt/slides/slide11.xml><?xml version="1.0" encoding="utf-8"?>
+<p:sld xmlns:a="http://schemas.openxmlformats.org/drawingml/2006/main" xmlns:r="http://schemas.openxmlformats.org/officeDocument/2006/relationships" xmlns:p="http://schemas.openxmlformats.org/presentationml/2006/main">
+  <p:cSld>
+    <p:spTree>
+      <p:nvGrpSpPr>
+        <p:cNvPr id="1" name=""/>
+        <p:cNvGrpSpPr/>
+        <p:nvPr/>
+      </p:nvGrpSpPr>
+      <p:grpSpPr>
+        <a:xfrm>
+          <a:off x="0" y="0"/>
+          <a:ext cx="0" cy="0"/>
+          <a:chOff x="0" y="0"/>
+          <a:chExt cx="0" cy="0"/>
+        </a:xfrm>
+      </p:grpSpPr>
+      <p:sp>
+        <p:nvSpPr>
+          <p:cNvPr id="2" name="Title 1">
+            <a:extLst>
+              <a:ext uri="{FF2B5EF4-FFF2-40B4-BE49-F238E27FC236}">
+                <a16:creationId xmlns:a16="http://schemas.microsoft.com/office/drawing/2014/main" id="{48E55FDD-B782-F844-BDC6-DE0568EC23C0}"/>
+              </a:ext>
+            </a:extLst>
+          </p:cNvPr>
+          <p:cNvSpPr>
+            <a:spLocks noGrp="1"/>
+          </p:cNvSpPr>
+          <p:nvPr>
+            <p:ph type="title"/>
+          </p:nvPr>
+        </p:nvSpPr>
+        <p:spPr>
+          <a:xfrm>
+            <a:off x="1141413" y="2689715"/>
+            <a:ext cx="9905998" cy="1478570"/>
+          </a:xfrm>
+        </p:spPr>
+        <p:txBody>
+          <a:bodyPr>
+            <a:normAutofit/>
+          </a:bodyPr>
+          <a:lstStyle/>
+          <a:p>
+            <a:pPr algn="ctr"/>
+            <a:r>
+              <a:rPr lang="en-US" sz="7200" dirty="0"/>
+              <a:t>Questions?</a:t>
+            </a:r>
+          </a:p>
+        </p:txBody>
+      </p:sp>
+    </p:spTree>
+    <p:extLst>
+      <p:ext uri="{BB962C8B-B14F-4D97-AF65-F5344CB8AC3E}">
+        <p14:creationId xmlns:p14="http://schemas.microsoft.com/office/powerpoint/2010/main" val="2980654921"/>
       </p:ext>
     </p:extLst>
   </p:cSld>
@@ -12786,6 +13409,13 @@
             </a:r>
             <a:endParaRPr lang="en-US" dirty="0"/>
           </a:p>
+          <a:p>
+            <a:r>
+              <a:rPr lang="en-US" dirty="0" err="1"/>
+              <a:t>BeautifulSoup</a:t>
+            </a:r>
+            <a:endParaRPr lang="en-US" dirty="0"/>
+          </a:p>
         </p:txBody>
       </p:sp>
     </p:spTree>
@@ -12864,7 +13494,9 @@
         </p:nvSpPr>
         <p:spPr/>
         <p:txBody>
-          <a:bodyPr/>
+          <a:bodyPr>
+            <a:normAutofit fontScale="85000" lnSpcReduction="20000"/>
+          </a:bodyPr>
           <a:lstStyle/>
           <a:p>
             <a:r>
@@ -12873,6 +13505,34 @@
             </a:r>
           </a:p>
           <a:p>
+            <a:pPr lvl="1"/>
+            <a:r>
+              <a:rPr lang="en-US" dirty="0"/>
+              <a:t>The Verge</a:t>
+            </a:r>
+          </a:p>
+          <a:p>
+            <a:pPr lvl="1"/>
+            <a:r>
+              <a:rPr lang="en-US" dirty="0"/>
+              <a:t>NY Times</a:t>
+            </a:r>
+          </a:p>
+          <a:p>
+            <a:pPr lvl="1"/>
+            <a:r>
+              <a:rPr lang="en-US" dirty="0"/>
+              <a:t>Wired</a:t>
+            </a:r>
+          </a:p>
+          <a:p>
+            <a:pPr lvl="1"/>
+            <a:r>
+              <a:rPr lang="en-US" dirty="0"/>
+              <a:t>The Onion</a:t>
+            </a:r>
+          </a:p>
+          <a:p>
             <a:r>
               <a:rPr lang="en-US" dirty="0" err="1"/>
               <a:t>PySpark</a:t>
@@ -12883,6 +13543,18 @@
             <a:r>
               <a:rPr lang="en-US" dirty="0"/>
               <a:t>Parallelization</a:t>
+            </a:r>
+          </a:p>
+          <a:p>
+            <a:r>
+              <a:rPr lang="en-US" dirty="0"/>
+              <a:t>Memory Usage</a:t>
+            </a:r>
+          </a:p>
+          <a:p>
+            <a:r>
+              <a:rPr lang="en-US" dirty="0"/>
+              <a:t>Deployment</a:t>
             </a:r>
           </a:p>
           <a:p>
@@ -12907,6 +13579,451 @@
 </file>
 
 <file path=ppt/slides/slide6.xml><?xml version="1.0" encoding="utf-8"?>
+<p:sld xmlns:a="http://schemas.openxmlformats.org/drawingml/2006/main" xmlns:r="http://schemas.openxmlformats.org/officeDocument/2006/relationships" xmlns:p="http://schemas.openxmlformats.org/presentationml/2006/main">
+  <p:cSld>
+    <p:spTree>
+      <p:nvGrpSpPr>
+        <p:cNvPr id="1" name=""/>
+        <p:cNvGrpSpPr/>
+        <p:nvPr/>
+      </p:nvGrpSpPr>
+      <p:grpSpPr>
+        <a:xfrm>
+          <a:off x="0" y="0"/>
+          <a:ext cx="0" cy="0"/>
+          <a:chOff x="0" y="0"/>
+          <a:chExt cx="0" cy="0"/>
+        </a:xfrm>
+      </p:grpSpPr>
+      <p:sp>
+        <p:nvSpPr>
+          <p:cNvPr id="2" name="Title 1">
+            <a:extLst>
+              <a:ext uri="{FF2B5EF4-FFF2-40B4-BE49-F238E27FC236}">
+                <a16:creationId xmlns:a16="http://schemas.microsoft.com/office/drawing/2014/main" id="{5465A79B-9183-614B-B919-492B5F1BEC06}"/>
+              </a:ext>
+            </a:extLst>
+          </p:cNvPr>
+          <p:cNvSpPr>
+            <a:spLocks noGrp="1"/>
+          </p:cNvSpPr>
+          <p:nvPr>
+            <p:ph type="title"/>
+          </p:nvPr>
+        </p:nvSpPr>
+        <p:spPr>
+          <a:xfrm>
+            <a:off x="1141413" y="618518"/>
+            <a:ext cx="5647767" cy="1478570"/>
+          </a:xfrm>
+        </p:spPr>
+        <p:txBody>
+          <a:bodyPr/>
+          <a:lstStyle/>
+          <a:p>
+            <a:r>
+              <a:rPr lang="en-US" dirty="0"/>
+              <a:t>Model Comparison</a:t>
+            </a:r>
+          </a:p>
+        </p:txBody>
+      </p:sp>
+      <p:sp>
+        <p:nvSpPr>
+          <p:cNvPr id="3" name="Content Placeholder 2">
+            <a:extLst>
+              <a:ext uri="{FF2B5EF4-FFF2-40B4-BE49-F238E27FC236}">
+                <a16:creationId xmlns:a16="http://schemas.microsoft.com/office/drawing/2014/main" id="{782E270E-0739-F048-A9B3-DD1D223E0EE5}"/>
+              </a:ext>
+            </a:extLst>
+          </p:cNvPr>
+          <p:cNvSpPr>
+            <a:spLocks noGrp="1"/>
+          </p:cNvSpPr>
+          <p:nvPr>
+            <p:ph sz="half" idx="1"/>
+          </p:nvPr>
+        </p:nvSpPr>
+        <p:spPr>
+          <a:xfrm>
+            <a:off x="1141410" y="2249486"/>
+            <a:ext cx="2561967" cy="3541714"/>
+          </a:xfrm>
+        </p:spPr>
+        <p:txBody>
+          <a:bodyPr>
+            <a:normAutofit fontScale="70000" lnSpcReduction="20000"/>
+          </a:bodyPr>
+          <a:lstStyle/>
+          <a:p>
+            <a:r>
+              <a:rPr lang="en-US" dirty="0"/>
+              <a:t>T5</a:t>
+            </a:r>
+          </a:p>
+          <a:p>
+            <a:pPr lvl="1"/>
+            <a:r>
+              <a:rPr lang="en-US" dirty="0"/>
+              <a:t>Time: 17.09 seconds</a:t>
+            </a:r>
+          </a:p>
+          <a:p>
+            <a:r>
+              <a:rPr lang="en-US" dirty="0"/>
+              <a:t>BERT</a:t>
+            </a:r>
+          </a:p>
+          <a:p>
+            <a:pPr lvl="1"/>
+            <a:r>
+              <a:rPr lang="en-US" dirty="0"/>
+              <a:t>Time: 95.76 seconds</a:t>
+            </a:r>
+          </a:p>
+          <a:p>
+            <a:r>
+              <a:rPr lang="en-US" dirty="0"/>
+              <a:t>GPT</a:t>
+            </a:r>
+          </a:p>
+          <a:p>
+            <a:pPr lvl="1"/>
+            <a:r>
+              <a:rPr lang="en-US" dirty="0"/>
+              <a:t>Time: 2.64 seconds</a:t>
+            </a:r>
+          </a:p>
+          <a:p>
+            <a:r>
+              <a:rPr lang="en-US" dirty="0" err="1"/>
+              <a:t>DistilBERT</a:t>
+            </a:r>
+            <a:endParaRPr lang="en-US" dirty="0"/>
+          </a:p>
+          <a:p>
+            <a:pPr lvl="1"/>
+            <a:r>
+              <a:rPr lang="en-US" dirty="0"/>
+              <a:t>Time: 1.774 seconds</a:t>
+            </a:r>
+          </a:p>
+          <a:p>
+            <a:r>
+              <a:rPr lang="en-US" dirty="0"/>
+              <a:t>GPT2</a:t>
+            </a:r>
+          </a:p>
+          <a:p>
+            <a:pPr lvl="1"/>
+            <a:r>
+              <a:rPr lang="en-US" dirty="0"/>
+              <a:t>Time: 2.82</a:t>
+            </a:r>
+          </a:p>
+          <a:p>
+            <a:endParaRPr lang="en-US" dirty="0"/>
+          </a:p>
+        </p:txBody>
+      </p:sp>
+      <p:sp>
+        <p:nvSpPr>
+          <p:cNvPr id="4" name="Content Placeholder 3">
+            <a:extLst>
+              <a:ext uri="{FF2B5EF4-FFF2-40B4-BE49-F238E27FC236}">
+                <a16:creationId xmlns:a16="http://schemas.microsoft.com/office/drawing/2014/main" id="{97159BC0-C64C-8145-AFF7-3E3D3D9DBF93}"/>
+              </a:ext>
+            </a:extLst>
+          </p:cNvPr>
+          <p:cNvSpPr>
+            <a:spLocks noGrp="1"/>
+          </p:cNvSpPr>
+          <p:nvPr>
+            <p:ph sz="half" idx="2"/>
+          </p:nvPr>
+        </p:nvSpPr>
+        <p:spPr>
+          <a:xfrm>
+            <a:off x="3703376" y="2249486"/>
+            <a:ext cx="3085803" cy="3541714"/>
+          </a:xfrm>
+        </p:spPr>
+        <p:txBody>
+          <a:bodyPr>
+            <a:normAutofit fontScale="70000" lnSpcReduction="20000"/>
+          </a:bodyPr>
+          <a:lstStyle/>
+          <a:p>
+            <a:r>
+              <a:rPr lang="en-US" dirty="0"/>
+              <a:t>T5 </a:t>
+            </a:r>
+            <a:r>
+              <a:rPr lang="en-US" dirty="0" err="1"/>
+              <a:t>Wikihow</a:t>
+            </a:r>
+            <a:endParaRPr lang="en-US" dirty="0"/>
+          </a:p>
+          <a:p>
+            <a:pPr lvl="1"/>
+            <a:r>
+              <a:rPr lang="en-US" dirty="0"/>
+              <a:t>Time: 3.58 seconds</a:t>
+            </a:r>
+          </a:p>
+          <a:p>
+            <a:r>
+              <a:rPr lang="en-US" dirty="0"/>
+              <a:t>Pegasus </a:t>
+            </a:r>
+            <a:r>
+              <a:rPr lang="en-US" dirty="0" err="1"/>
+              <a:t>NewsRoom</a:t>
+            </a:r>
+            <a:endParaRPr lang="en-US" dirty="0"/>
+          </a:p>
+          <a:p>
+            <a:pPr lvl="1"/>
+            <a:r>
+              <a:rPr lang="en-US" dirty="0"/>
+              <a:t>Time: 25.58 seconds</a:t>
+            </a:r>
+          </a:p>
+          <a:p>
+            <a:r>
+              <a:rPr lang="en-US" dirty="0"/>
+              <a:t>Pegasus CNN Daily Mail</a:t>
+            </a:r>
+          </a:p>
+          <a:p>
+            <a:pPr lvl="1"/>
+            <a:r>
+              <a:rPr lang="en-US" dirty="0"/>
+              <a:t>Time: 85.2 seconds</a:t>
+            </a:r>
+          </a:p>
+          <a:p>
+            <a:r>
+              <a:rPr lang="en-US" dirty="0"/>
+              <a:t>Pegasus CNN Daily Mail Clean</a:t>
+            </a:r>
+          </a:p>
+          <a:p>
+            <a:pPr lvl="1"/>
+            <a:r>
+              <a:rPr lang="en-US" dirty="0"/>
+              <a:t>78.4 seconds</a:t>
+            </a:r>
+          </a:p>
+          <a:p>
+            <a:r>
+              <a:rPr lang="en-US" dirty="0"/>
+              <a:t>Pegasus </a:t>
+            </a:r>
+            <a:r>
+              <a:rPr lang="en-US" dirty="0" err="1"/>
+              <a:t>Billsum</a:t>
+            </a:r>
+            <a:endParaRPr lang="en-US" dirty="0"/>
+          </a:p>
+          <a:p>
+            <a:pPr lvl="1"/>
+            <a:r>
+              <a:rPr lang="en-US" dirty="0"/>
+              <a:t>Time: 88.43</a:t>
+            </a:r>
+          </a:p>
+          <a:p>
+            <a:endParaRPr lang="en-US" dirty="0"/>
+          </a:p>
+        </p:txBody>
+      </p:sp>
+      <p:pic>
+        <p:nvPicPr>
+          <p:cNvPr id="8" name="Picture 7" descr="Chart, histogram&#10;&#10;Description automatically generated">
+            <a:extLst>
+              <a:ext uri="{FF2B5EF4-FFF2-40B4-BE49-F238E27FC236}">
+                <a16:creationId xmlns:a16="http://schemas.microsoft.com/office/drawing/2014/main" id="{88C24447-BB22-254E-BFD2-87C1F397B233}"/>
+              </a:ext>
+            </a:extLst>
+          </p:cNvPr>
+          <p:cNvPicPr>
+            <a:picLocks noChangeAspect="1"/>
+          </p:cNvPicPr>
+          <p:nvPr/>
+        </p:nvPicPr>
+        <p:blipFill>
+          <a:blip r:embed="rId2"/>
+          <a:stretch>
+            <a:fillRect/>
+          </a:stretch>
+        </p:blipFill>
+        <p:spPr>
+          <a:xfrm>
+            <a:off x="6789180" y="1003300"/>
+            <a:ext cx="4940300" cy="4851400"/>
+          </a:xfrm>
+          <a:prstGeom prst="rect">
+            <a:avLst/>
+          </a:prstGeom>
+        </p:spPr>
+      </p:pic>
+    </p:spTree>
+    <p:extLst>
+      <p:ext uri="{BB962C8B-B14F-4D97-AF65-F5344CB8AC3E}">
+        <p14:creationId xmlns:p14="http://schemas.microsoft.com/office/powerpoint/2010/main" val="2625987271"/>
+      </p:ext>
+    </p:extLst>
+  </p:cSld>
+  <p:clrMapOvr>
+    <a:masterClrMapping/>
+  </p:clrMapOvr>
+</p:sld>
+</file>
+
+<file path=ppt/slides/slide7.xml><?xml version="1.0" encoding="utf-8"?>
+<p:sld xmlns:a="http://schemas.openxmlformats.org/drawingml/2006/main" xmlns:r="http://schemas.openxmlformats.org/officeDocument/2006/relationships" xmlns:p="http://schemas.openxmlformats.org/presentationml/2006/main">
+  <p:cSld>
+    <p:spTree>
+      <p:nvGrpSpPr>
+        <p:cNvPr id="1" name=""/>
+        <p:cNvGrpSpPr/>
+        <p:nvPr/>
+      </p:nvGrpSpPr>
+      <p:grpSpPr>
+        <a:xfrm>
+          <a:off x="0" y="0"/>
+          <a:ext cx="0" cy="0"/>
+          <a:chOff x="0" y="0"/>
+          <a:chExt cx="0" cy="0"/>
+        </a:xfrm>
+      </p:grpSpPr>
+      <p:sp>
+        <p:nvSpPr>
+          <p:cNvPr id="2" name="Title 1">
+            <a:extLst>
+              <a:ext uri="{FF2B5EF4-FFF2-40B4-BE49-F238E27FC236}">
+                <a16:creationId xmlns:a16="http://schemas.microsoft.com/office/drawing/2014/main" id="{AC8D25B5-33F3-474E-97E2-B764688CA03C}"/>
+              </a:ext>
+            </a:extLst>
+          </p:cNvPr>
+          <p:cNvSpPr>
+            <a:spLocks noGrp="1"/>
+          </p:cNvSpPr>
+          <p:nvPr>
+            <p:ph type="title"/>
+          </p:nvPr>
+        </p:nvSpPr>
+        <p:spPr/>
+        <p:txBody>
+          <a:bodyPr/>
+          <a:lstStyle/>
+          <a:p>
+            <a:r>
+              <a:rPr lang="en-US" dirty="0"/>
+              <a:t>Google Pegasus Rouge scores</a:t>
+            </a:r>
+          </a:p>
+        </p:txBody>
+      </p:sp>
+      <p:sp>
+        <p:nvSpPr>
+          <p:cNvPr id="3" name="Content Placeholder 2">
+            <a:extLst>
+              <a:ext uri="{FF2B5EF4-FFF2-40B4-BE49-F238E27FC236}">
+                <a16:creationId xmlns:a16="http://schemas.microsoft.com/office/drawing/2014/main" id="{098E733C-00FA-C442-BECD-AD76FEC0AC4C}"/>
+              </a:ext>
+            </a:extLst>
+          </p:cNvPr>
+          <p:cNvSpPr>
+            <a:spLocks noGrp="1"/>
+          </p:cNvSpPr>
+          <p:nvPr>
+            <p:ph idx="1"/>
+          </p:nvPr>
+        </p:nvSpPr>
+        <p:spPr/>
+        <p:txBody>
+          <a:bodyPr>
+            <a:normAutofit fontScale="92500" lnSpcReduction="20000"/>
+          </a:bodyPr>
+          <a:lstStyle/>
+          <a:p>
+            <a:r>
+              <a:rPr lang="en-US" dirty="0"/>
+              <a:t>ROUGE-1 </a:t>
+            </a:r>
+          </a:p>
+          <a:p>
+            <a:pPr lvl="1"/>
+            <a:r>
+              <a:rPr lang="en-US" dirty="0"/>
+              <a:t>f: 0.16925733857863454 </a:t>
+            </a:r>
+          </a:p>
+          <a:p>
+            <a:pPr lvl="1"/>
+            <a:r>
+              <a:rPr lang="en-US" dirty="0"/>
+              <a:t>r: 0.09315589353612168 </a:t>
+            </a:r>
+          </a:p>
+          <a:p>
+            <a:r>
+              <a:rPr lang="en-US" dirty="0"/>
+              <a:t>ROUGE-2 </a:t>
+            </a:r>
+          </a:p>
+          <a:p>
+            <a:pPr lvl="1"/>
+            <a:r>
+              <a:rPr lang="en-US" dirty="0"/>
+              <a:t>f: 0.1559792011329743 </a:t>
+            </a:r>
+          </a:p>
+          <a:p>
+            <a:pPr lvl="1"/>
+            <a:r>
+              <a:rPr lang="en-US" dirty="0"/>
+              <a:t>r: 0.08571428571428572 </a:t>
+            </a:r>
+          </a:p>
+          <a:p>
+            <a:r>
+              <a:rPr lang="en-US" dirty="0"/>
+              <a:t>ROUGE-L </a:t>
+            </a:r>
+          </a:p>
+          <a:p>
+            <a:pPr lvl="1"/>
+            <a:r>
+              <a:rPr lang="en-US" dirty="0"/>
+              <a:t>f: 0.2305295927873371 </a:t>
+            </a:r>
+          </a:p>
+          <a:p>
+            <a:pPr lvl="1"/>
+            <a:r>
+              <a:rPr lang="en-US" dirty="0"/>
+              <a:t>r: 0.13214285714285715</a:t>
+            </a:r>
+          </a:p>
+        </p:txBody>
+      </p:sp>
+    </p:spTree>
+    <p:extLst>
+      <p:ext uri="{BB962C8B-B14F-4D97-AF65-F5344CB8AC3E}">
+        <p14:creationId xmlns:p14="http://schemas.microsoft.com/office/powerpoint/2010/main" val="602911073"/>
+      </p:ext>
+    </p:extLst>
+  </p:cSld>
+  <p:clrMapOvr>
+    <a:masterClrMapping/>
+  </p:clrMapOvr>
+</p:sld>
+</file>
+
+<file path=ppt/slides/slide8.xml><?xml version="1.0" encoding="utf-8"?>
 <p:sld xmlns:a="http://schemas.openxmlformats.org/drawingml/2006/main" xmlns:r="http://schemas.openxmlformats.org/officeDocument/2006/relationships" xmlns:p="http://schemas.openxmlformats.org/presentationml/2006/main">
   <p:cSld>
     <p:spTree>
@@ -12972,7 +14089,7 @@
 </p:sld>
 </file>
 
-<file path=ppt/slides/slide7.xml><?xml version="1.0" encoding="utf-8"?>
+<file path=ppt/slides/slide9.xml><?xml version="1.0" encoding="utf-8"?>
 <p:sld xmlns:a="http://schemas.openxmlformats.org/drawingml/2006/main" xmlns:r="http://schemas.openxmlformats.org/officeDocument/2006/relationships" xmlns:p="http://schemas.openxmlformats.org/presentationml/2006/main">
   <p:cSld>
     <p:spTree>
@@ -13073,191 +14190,6 @@
     <p:extLst>
       <p:ext uri="{BB962C8B-B14F-4D97-AF65-F5344CB8AC3E}">
         <p14:creationId xmlns:p14="http://schemas.microsoft.com/office/powerpoint/2010/main" val="2732989845"/>
-      </p:ext>
-    </p:extLst>
-  </p:cSld>
-  <p:clrMapOvr>
-    <a:masterClrMapping/>
-  </p:clrMapOvr>
-</p:sld>
-</file>
-
-<file path=ppt/slides/slide8.xml><?xml version="1.0" encoding="utf-8"?>
-<p:sld xmlns:a="http://schemas.openxmlformats.org/drawingml/2006/main" xmlns:r="http://schemas.openxmlformats.org/officeDocument/2006/relationships" xmlns:p="http://schemas.openxmlformats.org/presentationml/2006/main">
-  <p:cSld>
-    <p:spTree>
-      <p:nvGrpSpPr>
-        <p:cNvPr id="1" name=""/>
-        <p:cNvGrpSpPr/>
-        <p:nvPr/>
-      </p:nvGrpSpPr>
-      <p:grpSpPr>
-        <a:xfrm>
-          <a:off x="0" y="0"/>
-          <a:ext cx="0" cy="0"/>
-          <a:chOff x="0" y="0"/>
-          <a:chExt cx="0" cy="0"/>
-        </a:xfrm>
-      </p:grpSpPr>
-      <p:sp>
-        <p:nvSpPr>
-          <p:cNvPr id="2" name="Title 1">
-            <a:extLst>
-              <a:ext uri="{FF2B5EF4-FFF2-40B4-BE49-F238E27FC236}">
-                <a16:creationId xmlns:a16="http://schemas.microsoft.com/office/drawing/2014/main" id="{6C1DFB7F-6B57-ED43-B23D-F17351AC68FD}"/>
-              </a:ext>
-            </a:extLst>
-          </p:cNvPr>
-          <p:cNvSpPr>
-            <a:spLocks noGrp="1"/>
-          </p:cNvSpPr>
-          <p:nvPr>
-            <p:ph type="title"/>
-          </p:nvPr>
-        </p:nvSpPr>
-        <p:spPr/>
-        <p:txBody>
-          <a:bodyPr/>
-          <a:lstStyle/>
-          <a:p>
-            <a:r>
-              <a:rPr lang="en-US" dirty="0"/>
-              <a:t>Areas of Improvement</a:t>
-            </a:r>
-          </a:p>
-        </p:txBody>
-      </p:sp>
-      <p:sp>
-        <p:nvSpPr>
-          <p:cNvPr id="3" name="Content Placeholder 2">
-            <a:extLst>
-              <a:ext uri="{FF2B5EF4-FFF2-40B4-BE49-F238E27FC236}">
-                <a16:creationId xmlns:a16="http://schemas.microsoft.com/office/drawing/2014/main" id="{DCE50152-9ACE-6E42-B03A-0545DCA40DAB}"/>
-              </a:ext>
-            </a:extLst>
-          </p:cNvPr>
-          <p:cNvSpPr>
-            <a:spLocks noGrp="1"/>
-          </p:cNvSpPr>
-          <p:nvPr>
-            <p:ph idx="1"/>
-          </p:nvPr>
-        </p:nvSpPr>
-        <p:spPr/>
-        <p:txBody>
-          <a:bodyPr/>
-          <a:lstStyle/>
-          <a:p>
-            <a:r>
-              <a:rPr lang="en-US" dirty="0"/>
-              <a:t>Efficiency</a:t>
-            </a:r>
-          </a:p>
-          <a:p>
-            <a:pPr lvl="1"/>
-            <a:r>
-              <a:rPr lang="en-US" dirty="0"/>
-              <a:t>Currently takes close to 30 minutes for web server to start. Users would never see this when visiting the site but when starting the server it takes a bit.</a:t>
-            </a:r>
-          </a:p>
-          <a:p>
-            <a:r>
-              <a:rPr lang="en-US" dirty="0"/>
-              <a:t>Front-End</a:t>
-            </a:r>
-          </a:p>
-          <a:p>
-            <a:pPr lvl="1"/>
-            <a:r>
-              <a:rPr lang="en-US" dirty="0"/>
-              <a:t>Better Colors</a:t>
-            </a:r>
-          </a:p>
-          <a:p>
-            <a:pPr lvl="1"/>
-            <a:r>
-              <a:rPr lang="en-US" dirty="0"/>
-              <a:t>A Header</a:t>
-            </a:r>
-          </a:p>
-          <a:p>
-            <a:r>
-              <a:rPr lang="en-US" dirty="0"/>
-              <a:t>Add Daily Email</a:t>
-            </a:r>
-          </a:p>
-        </p:txBody>
-      </p:sp>
-    </p:spTree>
-    <p:extLst>
-      <p:ext uri="{BB962C8B-B14F-4D97-AF65-F5344CB8AC3E}">
-        <p14:creationId xmlns:p14="http://schemas.microsoft.com/office/powerpoint/2010/main" val="3459974451"/>
-      </p:ext>
-    </p:extLst>
-  </p:cSld>
-  <p:clrMapOvr>
-    <a:masterClrMapping/>
-  </p:clrMapOvr>
-</p:sld>
-</file>
-
-<file path=ppt/slides/slide9.xml><?xml version="1.0" encoding="utf-8"?>
-<p:sld xmlns:a="http://schemas.openxmlformats.org/drawingml/2006/main" xmlns:r="http://schemas.openxmlformats.org/officeDocument/2006/relationships" xmlns:p="http://schemas.openxmlformats.org/presentationml/2006/main">
-  <p:cSld>
-    <p:spTree>
-      <p:nvGrpSpPr>
-        <p:cNvPr id="1" name=""/>
-        <p:cNvGrpSpPr/>
-        <p:nvPr/>
-      </p:nvGrpSpPr>
-      <p:grpSpPr>
-        <a:xfrm>
-          <a:off x="0" y="0"/>
-          <a:ext cx="0" cy="0"/>
-          <a:chOff x="0" y="0"/>
-          <a:chExt cx="0" cy="0"/>
-        </a:xfrm>
-      </p:grpSpPr>
-      <p:sp>
-        <p:nvSpPr>
-          <p:cNvPr id="2" name="Title 1">
-            <a:extLst>
-              <a:ext uri="{FF2B5EF4-FFF2-40B4-BE49-F238E27FC236}">
-                <a16:creationId xmlns:a16="http://schemas.microsoft.com/office/drawing/2014/main" id="{48E55FDD-B782-F844-BDC6-DE0568EC23C0}"/>
-              </a:ext>
-            </a:extLst>
-          </p:cNvPr>
-          <p:cNvSpPr>
-            <a:spLocks noGrp="1"/>
-          </p:cNvSpPr>
-          <p:nvPr>
-            <p:ph type="title"/>
-          </p:nvPr>
-        </p:nvSpPr>
-        <p:spPr>
-          <a:xfrm>
-            <a:off x="1141413" y="2689715"/>
-            <a:ext cx="9905998" cy="1478570"/>
-          </a:xfrm>
-        </p:spPr>
-        <p:txBody>
-          <a:bodyPr>
-            <a:normAutofit/>
-          </a:bodyPr>
-          <a:lstStyle/>
-          <a:p>
-            <a:pPr algn="ctr"/>
-            <a:r>
-              <a:rPr lang="en-US" sz="7200" dirty="0"/>
-              <a:t>Questions?</a:t>
-            </a:r>
-          </a:p>
-        </p:txBody>
-      </p:sp>
-    </p:spTree>
-    <p:extLst>
-      <p:ext uri="{BB962C8B-B14F-4D97-AF65-F5344CB8AC3E}">
-        <p14:creationId xmlns:p14="http://schemas.microsoft.com/office/powerpoint/2010/main" val="2980654921"/>
       </p:ext>
     </p:extLst>
   </p:cSld>
@@ -13516,4 +14448,299 @@
     </a:ext>
   </a:extLst>
 </a:theme>
+</file>
+
+<file path=ppt/theme/theme2.xml><?xml version="1.0" encoding="utf-8"?>
+<a:theme xmlns:a="http://schemas.openxmlformats.org/drawingml/2006/main" name="Office Theme">
+  <a:themeElements>
+    <a:clrScheme name="Office">
+      <a:dk1>
+        <a:sysClr val="windowText" lastClr="000000"/>
+      </a:dk1>
+      <a:lt1>
+        <a:sysClr val="window" lastClr="FFFFFF"/>
+      </a:lt1>
+      <a:dk2>
+        <a:srgbClr val="44546A"/>
+      </a:dk2>
+      <a:lt2>
+        <a:srgbClr val="E7E6E6"/>
+      </a:lt2>
+      <a:accent1>
+        <a:srgbClr val="4472C4"/>
+      </a:accent1>
+      <a:accent2>
+        <a:srgbClr val="ED7D31"/>
+      </a:accent2>
+      <a:accent3>
+        <a:srgbClr val="A5A5A5"/>
+      </a:accent3>
+      <a:accent4>
+        <a:srgbClr val="FFC000"/>
+      </a:accent4>
+      <a:accent5>
+        <a:srgbClr val="5B9BD5"/>
+      </a:accent5>
+      <a:accent6>
+        <a:srgbClr val="70AD47"/>
+      </a:accent6>
+      <a:hlink>
+        <a:srgbClr val="0563C1"/>
+      </a:hlink>
+      <a:folHlink>
+        <a:srgbClr val="954F72"/>
+      </a:folHlink>
+    </a:clrScheme>
+    <a:fontScheme name="Office">
+      <a:majorFont>
+        <a:latin typeface="Calibri Light" panose="020F0302020204030204"/>
+        <a:ea typeface=""/>
+        <a:cs typeface=""/>
+        <a:font script="Jpan" typeface="游ゴシック Light"/>
+        <a:font script="Hang" typeface="맑은 고딕"/>
+        <a:font script="Hans" typeface="等线 Light"/>
+        <a:font script="Hant" typeface="新細明體"/>
+        <a:font script="Arab" typeface="Times New Roman"/>
+        <a:font script="Hebr" typeface="Times New Roman"/>
+        <a:font script="Thai" typeface="Angsana New"/>
+        <a:font script="Ethi" typeface="Nyala"/>
+        <a:font script="Beng" typeface="Vrinda"/>
+        <a:font script="Gujr" typeface="Shruti"/>
+        <a:font script="Khmr" typeface="MoolBoran"/>
+        <a:font script="Knda" typeface="Tunga"/>
+        <a:font script="Guru" typeface="Raavi"/>
+        <a:font script="Cans" typeface="Euphemia"/>
+        <a:font script="Cher" typeface="Plantagenet Cherokee"/>
+        <a:font script="Yiii" typeface="Microsoft Yi Baiti"/>
+        <a:font script="Tibt" typeface="Microsoft Himalaya"/>
+        <a:font script="Thaa" typeface="MV Boli"/>
+        <a:font script="Deva" typeface="Mangal"/>
+        <a:font script="Telu" typeface="Gautami"/>
+        <a:font script="Taml" typeface="Latha"/>
+        <a:font script="Syrc" typeface="Estrangelo Edessa"/>
+        <a:font script="Orya" typeface="Kalinga"/>
+        <a:font script="Mlym" typeface="Kartika"/>
+        <a:font script="Laoo" typeface="DokChampa"/>
+        <a:font script="Sinh" typeface="Iskoola Pota"/>
+        <a:font script="Mong" typeface="Mongolian Baiti"/>
+        <a:font script="Viet" typeface="Times New Roman"/>
+        <a:font script="Uigh" typeface="Microsoft Uighur"/>
+        <a:font script="Geor" typeface="Sylfaen"/>
+        <a:font script="Armn" typeface="Arial"/>
+        <a:font script="Bugi" typeface="Leelawadee UI"/>
+        <a:font script="Bopo" typeface="Microsoft JhengHei"/>
+        <a:font script="Java" typeface="Javanese Text"/>
+        <a:font script="Lisu" typeface="Segoe UI"/>
+        <a:font script="Mymr" typeface="Myanmar Text"/>
+        <a:font script="Nkoo" typeface="Ebrima"/>
+        <a:font script="Olck" typeface="Nirmala UI"/>
+        <a:font script="Osma" typeface="Ebrima"/>
+        <a:font script="Phag" typeface="Phagspa"/>
+        <a:font script="Syrn" typeface="Estrangelo Edessa"/>
+        <a:font script="Syrj" typeface="Estrangelo Edessa"/>
+        <a:font script="Syre" typeface="Estrangelo Edessa"/>
+        <a:font script="Sora" typeface="Nirmala UI"/>
+        <a:font script="Tale" typeface="Microsoft Tai Le"/>
+        <a:font script="Talu" typeface="Microsoft New Tai Lue"/>
+        <a:font script="Tfng" typeface="Ebrima"/>
+      </a:majorFont>
+      <a:minorFont>
+        <a:latin typeface="Calibri" panose="020F0502020204030204"/>
+        <a:ea typeface=""/>
+        <a:cs typeface=""/>
+        <a:font script="Jpan" typeface="游ゴシック"/>
+        <a:font script="Hang" typeface="맑은 고딕"/>
+        <a:font script="Hans" typeface="等线"/>
+        <a:font script="Hant" typeface="新細明體"/>
+        <a:font script="Arab" typeface="Arial"/>
+        <a:font script="Hebr" typeface="Arial"/>
+        <a:font script="Thai" typeface="Cordia New"/>
+        <a:font script="Ethi" typeface="Nyala"/>
+        <a:font script="Beng" typeface="Vrinda"/>
+        <a:font script="Gujr" typeface="Shruti"/>
+        <a:font script="Khmr" typeface="DaunPenh"/>
+        <a:font script="Knda" typeface="Tunga"/>
+        <a:font script="Guru" typeface="Raavi"/>
+        <a:font script="Cans" typeface="Euphemia"/>
+        <a:font script="Cher" typeface="Plantagenet Cherokee"/>
+        <a:font script="Yiii" typeface="Microsoft Yi Baiti"/>
+        <a:font script="Tibt" typeface="Microsoft Himalaya"/>
+        <a:font script="Thaa" typeface="MV Boli"/>
+        <a:font script="Deva" typeface="Mangal"/>
+        <a:font script="Telu" typeface="Gautami"/>
+        <a:font script="Taml" typeface="Latha"/>
+        <a:font script="Syrc" typeface="Estrangelo Edessa"/>
+        <a:font script="Orya" typeface="Kalinga"/>
+        <a:font script="Mlym" typeface="Kartika"/>
+        <a:font script="Laoo" typeface="DokChampa"/>
+        <a:font script="Sinh" typeface="Iskoola Pota"/>
+        <a:font script="Mong" typeface="Mongolian Baiti"/>
+        <a:font script="Viet" typeface="Arial"/>
+        <a:font script="Uigh" typeface="Microsoft Uighur"/>
+        <a:font script="Geor" typeface="Sylfaen"/>
+        <a:font script="Armn" typeface="Arial"/>
+        <a:font script="Bugi" typeface="Leelawadee UI"/>
+        <a:font script="Bopo" typeface="Microsoft JhengHei"/>
+        <a:font script="Java" typeface="Javanese Text"/>
+        <a:font script="Lisu" typeface="Segoe UI"/>
+        <a:font script="Mymr" typeface="Myanmar Text"/>
+        <a:font script="Nkoo" typeface="Ebrima"/>
+        <a:font script="Olck" typeface="Nirmala UI"/>
+        <a:font script="Osma" typeface="Ebrima"/>
+        <a:font script="Phag" typeface="Phagspa"/>
+        <a:font script="Syrn" typeface="Estrangelo Edessa"/>
+        <a:font script="Syrj" typeface="Estrangelo Edessa"/>
+        <a:font script="Syre" typeface="Estrangelo Edessa"/>
+        <a:font script="Sora" typeface="Nirmala UI"/>
+        <a:font script="Tale" typeface="Microsoft Tai Le"/>
+        <a:font script="Talu" typeface="Microsoft New Tai Lue"/>
+        <a:font script="Tfng" typeface="Ebrima"/>
+      </a:minorFont>
+    </a:fontScheme>
+    <a:fmtScheme name="Office">
+      <a:fillStyleLst>
+        <a:solidFill>
+          <a:schemeClr val="phClr"/>
+        </a:solidFill>
+        <a:gradFill rotWithShape="1">
+          <a:gsLst>
+            <a:gs pos="0">
+              <a:schemeClr val="phClr">
+                <a:lumMod val="110000"/>
+                <a:satMod val="105000"/>
+                <a:tint val="67000"/>
+              </a:schemeClr>
+            </a:gs>
+            <a:gs pos="50000">
+              <a:schemeClr val="phClr">
+                <a:lumMod val="105000"/>
+                <a:satMod val="103000"/>
+                <a:tint val="73000"/>
+              </a:schemeClr>
+            </a:gs>
+            <a:gs pos="100000">
+              <a:schemeClr val="phClr">
+                <a:lumMod val="105000"/>
+                <a:satMod val="109000"/>
+                <a:tint val="81000"/>
+              </a:schemeClr>
+            </a:gs>
+          </a:gsLst>
+          <a:lin ang="5400000" scaled="0"/>
+        </a:gradFill>
+        <a:gradFill rotWithShape="1">
+          <a:gsLst>
+            <a:gs pos="0">
+              <a:schemeClr val="phClr">
+                <a:satMod val="103000"/>
+                <a:lumMod val="102000"/>
+                <a:tint val="94000"/>
+              </a:schemeClr>
+            </a:gs>
+            <a:gs pos="50000">
+              <a:schemeClr val="phClr">
+                <a:satMod val="110000"/>
+                <a:lumMod val="100000"/>
+                <a:shade val="100000"/>
+              </a:schemeClr>
+            </a:gs>
+            <a:gs pos="100000">
+              <a:schemeClr val="phClr">
+                <a:lumMod val="99000"/>
+                <a:satMod val="120000"/>
+                <a:shade val="78000"/>
+              </a:schemeClr>
+            </a:gs>
+          </a:gsLst>
+          <a:lin ang="5400000" scaled="0"/>
+        </a:gradFill>
+      </a:fillStyleLst>
+      <a:lnStyleLst>
+        <a:ln w="6350" cap="flat" cmpd="sng" algn="ctr">
+          <a:solidFill>
+            <a:schemeClr val="phClr"/>
+          </a:solidFill>
+          <a:prstDash val="solid"/>
+          <a:miter lim="800000"/>
+        </a:ln>
+        <a:ln w="12700" cap="flat" cmpd="sng" algn="ctr">
+          <a:solidFill>
+            <a:schemeClr val="phClr"/>
+          </a:solidFill>
+          <a:prstDash val="solid"/>
+          <a:miter lim="800000"/>
+        </a:ln>
+        <a:ln w="19050" cap="flat" cmpd="sng" algn="ctr">
+          <a:solidFill>
+            <a:schemeClr val="phClr"/>
+          </a:solidFill>
+          <a:prstDash val="solid"/>
+          <a:miter lim="800000"/>
+        </a:ln>
+      </a:lnStyleLst>
+      <a:effectStyleLst>
+        <a:effectStyle>
+          <a:effectLst/>
+        </a:effectStyle>
+        <a:effectStyle>
+          <a:effectLst/>
+        </a:effectStyle>
+        <a:effectStyle>
+          <a:effectLst>
+            <a:outerShdw blurRad="57150" dist="19050" dir="5400000" algn="ctr" rotWithShape="0">
+              <a:srgbClr val="000000">
+                <a:alpha val="63000"/>
+              </a:srgbClr>
+            </a:outerShdw>
+          </a:effectLst>
+        </a:effectStyle>
+      </a:effectStyleLst>
+      <a:bgFillStyleLst>
+        <a:solidFill>
+          <a:schemeClr val="phClr"/>
+        </a:solidFill>
+        <a:solidFill>
+          <a:schemeClr val="phClr">
+            <a:tint val="95000"/>
+            <a:satMod val="170000"/>
+          </a:schemeClr>
+        </a:solidFill>
+        <a:gradFill rotWithShape="1">
+          <a:gsLst>
+            <a:gs pos="0">
+              <a:schemeClr val="phClr">
+                <a:tint val="93000"/>
+                <a:satMod val="150000"/>
+                <a:shade val="98000"/>
+                <a:lumMod val="102000"/>
+              </a:schemeClr>
+            </a:gs>
+            <a:gs pos="50000">
+              <a:schemeClr val="phClr">
+                <a:tint val="98000"/>
+                <a:satMod val="130000"/>
+                <a:shade val="90000"/>
+                <a:lumMod val="103000"/>
+              </a:schemeClr>
+            </a:gs>
+            <a:gs pos="100000">
+              <a:schemeClr val="phClr">
+                <a:shade val="63000"/>
+                <a:satMod val="120000"/>
+              </a:schemeClr>
+            </a:gs>
+          </a:gsLst>
+          <a:lin ang="5400000" scaled="0"/>
+        </a:gradFill>
+      </a:bgFillStyleLst>
+    </a:fmtScheme>
+  </a:themeElements>
+  <a:objectDefaults/>
+  <a:extraClrSchemeLst/>
+  <a:extLst>
+    <a:ext uri="{05A4C25C-085E-4340-85A3-A5531E510DB2}">
+      <thm15:themeFamily xmlns:thm15="http://schemas.microsoft.com/office/thememl/2012/main" name="Office Theme" id="{62F939B6-93AF-4DB8-9C6B-D6C7DFDC589F}" vid="{4A3C46E8-61CC-4603-A589-7422A47A8E4A}"/>
+    </a:ext>
+  </a:extLst>
+</a:theme>
 </file>